--- a/paper-note/Urban-Computing/多源数据融合-综述.pptx
+++ b/paper-note/Urban-Computing/多源数据融合-综述.pptx
@@ -127,6 +127,11 @@
       </a:defRPr>
     </a:lvl9pPr>
   </p:defaultTextStyle>
+  <p:extLst>
+    <p:ext uri="{EFAFB233-063F-42B5-8137-9DF3F51BA10A}">
+      <p15:sldGuideLst xmlns:p15="http://schemas.microsoft.com/office/powerpoint/2012/main"/>
+    </p:ext>
+  </p:extLst>
 </p:presentation>
 </file>
 
@@ -3063,6 +3068,129 @@
           <a:chExt cx="0" cy="0"/>
         </a:xfrm>
       </p:grpSpPr>
+      <p:sp>
+        <p:nvSpPr>
+          <p:cNvPr id="2" name="矩形 1"/>
+          <p:cNvSpPr/>
+          <p:nvPr/>
+        </p:nvSpPr>
+        <p:spPr>
+          <a:xfrm>
+            <a:off x="269964" y="231168"/>
+            <a:ext cx="9272667" cy="461665"/>
+          </a:xfrm>
+          <a:prstGeom prst="rect">
+            <a:avLst/>
+          </a:prstGeom>
+        </p:spPr>
+        <p:txBody>
+          <a:bodyPr wrap="none">
+            <a:spAutoFit/>
+          </a:bodyPr>
+          <a:lstStyle/>
+          <a:p>
+            <a:r>
+              <a:rPr lang="en-US" altLang="zh-CN" sz="2400" b="1" dirty="0" smtClean="0"/>
+              <a:t>SEMANTIC MEANING-BASED - Multi-View Based - </a:t>
+            </a:r>
+            <a:r>
+              <a:rPr lang="en-US" altLang="zh-CN" sz="2400" dirty="0" smtClean="0"/>
+              <a:t>Multi-Kernel Learning</a:t>
+            </a:r>
+            <a:endParaRPr lang="zh-CN" altLang="en-US" sz="2400" dirty="0"/>
+          </a:p>
+        </p:txBody>
+      </p:sp>
+      <p:sp>
+        <p:nvSpPr>
+          <p:cNvPr id="3" name="矩形 2"/>
+          <p:cNvSpPr/>
+          <p:nvPr/>
+        </p:nvSpPr>
+        <p:spPr>
+          <a:xfrm>
+            <a:off x="731520" y="6014498"/>
+            <a:ext cx="8811111" cy="369332"/>
+          </a:xfrm>
+          <a:prstGeom prst="rect">
+            <a:avLst/>
+          </a:prstGeom>
+        </p:spPr>
+        <p:txBody>
+          <a:bodyPr wrap="square">
+            <a:spAutoFit/>
+          </a:bodyPr>
+          <a:lstStyle/>
+          <a:p>
+            <a:r>
+              <a:rPr lang="zh-CN" altLang="en-US" dirty="0"/>
+              <a:t>时间</a:t>
+            </a:r>
+            <a:r>
+              <a:rPr lang="en-US" altLang="zh-CN" dirty="0"/>
+              <a:t>kernel</a:t>
+            </a:r>
+            <a:r>
+              <a:rPr lang="zh-CN" altLang="en-US" dirty="0"/>
+              <a:t>和空间</a:t>
+            </a:r>
+            <a:r>
+              <a:rPr lang="en-US" altLang="zh-CN" dirty="0"/>
+              <a:t>kernel</a:t>
+            </a:r>
+            <a:r>
+              <a:rPr lang="zh-CN" altLang="en-US" dirty="0"/>
+              <a:t>，</a:t>
+            </a:r>
+            <a:r>
+              <a:rPr lang="en-US" altLang="zh-CN" dirty="0"/>
+              <a:t>Prediction Aggregator</a:t>
+            </a:r>
+            <a:r>
+              <a:rPr lang="zh-CN" altLang="en-US" dirty="0"/>
+              <a:t>是一个</a:t>
+            </a:r>
+            <a:r>
+              <a:rPr lang="en-US" altLang="zh-CN" dirty="0"/>
+              <a:t>kernel learning method</a:t>
+            </a:r>
+            <a:r>
+              <a:rPr lang="zh-CN" altLang="en-US" dirty="0"/>
+              <a:t>。</a:t>
+            </a:r>
+          </a:p>
+        </p:txBody>
+      </p:sp>
+      <p:pic>
+        <p:nvPicPr>
+          <p:cNvPr id="4" name="图片 3"/>
+          <p:cNvPicPr>
+            <a:picLocks noChangeAspect="1"/>
+          </p:cNvPicPr>
+          <p:nvPr/>
+        </p:nvPicPr>
+        <p:blipFill>
+          <a:blip r:embed="rId2">
+            <a:extLst>
+              <a:ext uri="{28A0092B-C50C-407E-A947-70E740481C1C}">
+                <a14:useLocalDpi xmlns:a14="http://schemas.microsoft.com/office/drawing/2010/main" val="0"/>
+              </a:ext>
+            </a:extLst>
+          </a:blip>
+          <a:stretch>
+            <a:fillRect/>
+          </a:stretch>
+        </p:blipFill>
+        <p:spPr>
+          <a:xfrm>
+            <a:off x="848780" y="1038895"/>
+            <a:ext cx="7093437" cy="4560833"/>
+          </a:xfrm>
+          <a:prstGeom prst="rect">
+            <a:avLst/>
+          </a:prstGeom>
+        </p:spPr>
+      </p:pic>
     </p:spTree>
     <p:extLst>
       <p:ext uri="{BB962C8B-B14F-4D97-AF65-F5344CB8AC3E}">
@@ -3073,6 +3201,13 @@
   <p:clrMapOvr>
     <a:masterClrMapping/>
   </p:clrMapOvr>
+  <p:timing>
+    <p:tnLst>
+      <p:par>
+        <p:cTn id="1" dur="indefinite" restart="never" nodeType="tmRoot"/>
+      </p:par>
+    </p:tnLst>
+  </p:timing>
 </p:sld>
 </file>
 
@@ -3093,6 +3228,177 @@
           <a:chExt cx="0" cy="0"/>
         </a:xfrm>
       </p:grpSpPr>
+      <p:sp>
+        <p:nvSpPr>
+          <p:cNvPr id="2" name="矩形 1"/>
+          <p:cNvSpPr/>
+          <p:nvPr/>
+        </p:nvSpPr>
+        <p:spPr>
+          <a:xfrm>
+            <a:off x="269964" y="231168"/>
+            <a:ext cx="8803885" cy="461665"/>
+          </a:xfrm>
+          <a:prstGeom prst="rect">
+            <a:avLst/>
+          </a:prstGeom>
+        </p:spPr>
+        <p:txBody>
+          <a:bodyPr wrap="none">
+            <a:spAutoFit/>
+          </a:bodyPr>
+          <a:lstStyle/>
+          <a:p>
+            <a:r>
+              <a:rPr lang="en-US" altLang="zh-CN" sz="2400" b="1" dirty="0" smtClean="0"/>
+              <a:t>SEMANTIC MEANING-BASED - Multi-View Based - </a:t>
+            </a:r>
+            <a:r>
+              <a:rPr lang="en-US" altLang="zh-CN" sz="2400" dirty="0"/>
+              <a:t>subspace learning</a:t>
+            </a:r>
+            <a:endParaRPr lang="zh-CN" altLang="en-US" sz="2400" dirty="0"/>
+          </a:p>
+        </p:txBody>
+      </p:sp>
+      <p:sp>
+        <p:nvSpPr>
+          <p:cNvPr id="3" name="矩形 2"/>
+          <p:cNvSpPr/>
+          <p:nvPr/>
+        </p:nvSpPr>
+        <p:spPr>
+          <a:xfrm>
+            <a:off x="642209" y="5753840"/>
+            <a:ext cx="4863832" cy="369332"/>
+          </a:xfrm>
+          <a:prstGeom prst="rect">
+            <a:avLst/>
+          </a:prstGeom>
+        </p:spPr>
+        <p:txBody>
+          <a:bodyPr wrap="none">
+            <a:spAutoFit/>
+          </a:bodyPr>
+          <a:lstStyle/>
+          <a:p>
+            <a:r>
+              <a:rPr lang="en-US" altLang="zh-CN" dirty="0"/>
+              <a:t>PCA</a:t>
+            </a:r>
+            <a:r>
+              <a:rPr lang="zh-CN" altLang="en-US" dirty="0"/>
+              <a:t>（主成分分析）和</a:t>
+            </a:r>
+            <a:r>
+              <a:rPr lang="en-US" altLang="zh-CN" dirty="0"/>
+              <a:t>CCA</a:t>
+            </a:r>
+            <a:r>
+              <a:rPr lang="zh-CN" altLang="en-US" dirty="0"/>
+              <a:t>（典型相关性分析）</a:t>
+            </a:r>
+          </a:p>
+        </p:txBody>
+      </p:sp>
+      <p:sp>
+        <p:nvSpPr>
+          <p:cNvPr id="4" name="矩形 3"/>
+          <p:cNvSpPr/>
+          <p:nvPr/>
+        </p:nvSpPr>
+        <p:spPr>
+          <a:xfrm>
+            <a:off x="642209" y="4974344"/>
+            <a:ext cx="9971448" cy="646331"/>
+          </a:xfrm>
+          <a:prstGeom prst="rect">
+            <a:avLst/>
+          </a:prstGeom>
+        </p:spPr>
+        <p:txBody>
+          <a:bodyPr wrap="none">
+            <a:spAutoFit/>
+          </a:bodyPr>
+          <a:lstStyle/>
+          <a:p>
+            <a:r>
+              <a:rPr lang="zh-CN" altLang="en-US" dirty="0" smtClean="0"/>
+              <a:t>不同数据集对应不同的</a:t>
+            </a:r>
+            <a:r>
+              <a:rPr lang="en-US" altLang="zh-CN" dirty="0" smtClean="0"/>
+              <a:t>space</a:t>
+            </a:r>
+            <a:r>
+              <a:rPr lang="zh-CN" altLang="en-US" dirty="0" smtClean="0"/>
+              <a:t>，不同的</a:t>
+            </a:r>
+            <a:r>
+              <a:rPr lang="en-US" altLang="zh-CN" dirty="0" smtClean="0"/>
+              <a:t>space</a:t>
+            </a:r>
+            <a:r>
+              <a:rPr lang="zh-CN" altLang="en-US" dirty="0" smtClean="0"/>
+              <a:t>由于描述的对象是同一个，存在一个共同的</a:t>
+            </a:r>
+            <a:r>
+              <a:rPr lang="en-US" altLang="zh-CN" dirty="0" smtClean="0"/>
+              <a:t>subspace</a:t>
+            </a:r>
+            <a:r>
+              <a:rPr lang="zh-CN" altLang="en-US" dirty="0" smtClean="0"/>
+              <a:t>，</a:t>
+            </a:r>
+            <a:endParaRPr lang="en-US" altLang="zh-CN" dirty="0" smtClean="0"/>
+          </a:p>
+          <a:p>
+            <a:r>
+              <a:rPr lang="zh-CN" altLang="en-US" dirty="0" smtClean="0"/>
+              <a:t>映射到这个</a:t>
+            </a:r>
+            <a:r>
+              <a:rPr lang="en-US" altLang="zh-CN" dirty="0" smtClean="0"/>
+              <a:t>subspace</a:t>
+            </a:r>
+            <a:r>
+              <a:rPr lang="zh-CN" altLang="en-US" dirty="0" smtClean="0"/>
+              <a:t>上可以做数据融合</a:t>
+            </a:r>
+            <a:endParaRPr lang="zh-CN" altLang="en-US" dirty="0"/>
+          </a:p>
+        </p:txBody>
+      </p:sp>
+      <p:pic>
+        <p:nvPicPr>
+          <p:cNvPr id="5" name="图片 4"/>
+          <p:cNvPicPr>
+            <a:picLocks noChangeAspect="1"/>
+          </p:cNvPicPr>
+          <p:nvPr/>
+        </p:nvPicPr>
+        <p:blipFill>
+          <a:blip r:embed="rId2">
+            <a:extLst>
+              <a:ext uri="{28A0092B-C50C-407E-A947-70E740481C1C}">
+                <a14:useLocalDpi xmlns:a14="http://schemas.microsoft.com/office/drawing/2010/main" val="0"/>
+              </a:ext>
+            </a:extLst>
+          </a:blip>
+          <a:stretch>
+            <a:fillRect/>
+          </a:stretch>
+        </p:blipFill>
+        <p:spPr>
+          <a:xfrm>
+            <a:off x="1256028" y="1793135"/>
+            <a:ext cx="6306430" cy="2419688"/>
+          </a:xfrm>
+          <a:prstGeom prst="rect">
+            <a:avLst/>
+          </a:prstGeom>
+        </p:spPr>
+      </p:pic>
     </p:spTree>
     <p:extLst>
       <p:ext uri="{BB962C8B-B14F-4D97-AF65-F5344CB8AC3E}">
@@ -3103,6 +3409,13 @@
   <p:clrMapOvr>
     <a:masterClrMapping/>
   </p:clrMapOvr>
+  <p:timing>
+    <p:tnLst>
+      <p:par>
+        <p:cTn id="1" dur="indefinite" restart="never" nodeType="tmRoot"/>
+      </p:par>
+    </p:tnLst>
+  </p:timing>
 </p:sld>
 </file>
 
@@ -3123,6 +3436,333 @@
           <a:chExt cx="0" cy="0"/>
         </a:xfrm>
       </p:grpSpPr>
+      <p:sp>
+        <p:nvSpPr>
+          <p:cNvPr id="2" name="矩形 1"/>
+          <p:cNvSpPr/>
+          <p:nvPr/>
+        </p:nvSpPr>
+        <p:spPr>
+          <a:xfrm>
+            <a:off x="269964" y="231168"/>
+            <a:ext cx="9972474" cy="461665"/>
+          </a:xfrm>
+          <a:prstGeom prst="rect">
+            <a:avLst/>
+          </a:prstGeom>
+        </p:spPr>
+        <p:txBody>
+          <a:bodyPr wrap="none">
+            <a:spAutoFit/>
+          </a:bodyPr>
+          <a:lstStyle/>
+          <a:p>
+            <a:r>
+              <a:rPr lang="en-US" altLang="zh-CN" sz="2400" b="1" dirty="0" smtClean="0"/>
+              <a:t>SEMANTIC MEANING-BASED - Similarity-Based - </a:t>
+            </a:r>
+            <a:r>
+              <a:rPr lang="en-US" altLang="zh-CN" sz="2400" dirty="0"/>
+              <a:t>Coupled Matrix Factorization</a:t>
+            </a:r>
+            <a:endParaRPr lang="zh-CN" altLang="en-US" sz="2400" dirty="0"/>
+          </a:p>
+        </p:txBody>
+      </p:sp>
+      <mc:AlternateContent xmlns:mc="http://schemas.openxmlformats.org/markup-compatibility/2006">
+        <mc:Choice xmlns:a14="http://schemas.microsoft.com/office/drawing/2010/main" Requires="a14">
+          <p:sp>
+            <p:nvSpPr>
+              <p:cNvPr id="3" name="矩形 2"/>
+              <p:cNvSpPr/>
+              <p:nvPr/>
+            </p:nvSpPr>
+            <p:spPr>
+              <a:xfrm>
+                <a:off x="402454" y="1007084"/>
+                <a:ext cx="10814186" cy="1776640"/>
+              </a:xfrm>
+              <a:prstGeom prst="rect">
+                <a:avLst/>
+              </a:prstGeom>
+            </p:spPr>
+            <p:txBody>
+              <a:bodyPr wrap="square">
+                <a:spAutoFit/>
+              </a:bodyPr>
+              <a:lstStyle/>
+              <a:p>
+                <a:r>
+                  <a:rPr lang="zh-CN" altLang="en-US" b="1" dirty="0" smtClean="0"/>
+                  <a:t>例子</a:t>
+                </a:r>
+                <a:r>
+                  <a:rPr lang="en-US" altLang="zh-CN" b="1" dirty="0"/>
+                  <a:t>10</a:t>
+                </a:r>
+                <a:r>
+                  <a:rPr lang="zh-CN" altLang="en-US" b="1" dirty="0"/>
+                  <a:t>（位置和活动的推荐）</a:t>
+                </a:r>
+                <a:endParaRPr lang="en-US" altLang="zh-CN" dirty="0" smtClean="0"/>
+              </a:p>
+              <a:p>
+                <a:r>
+                  <a:rPr lang="en-US" altLang="zh-CN" dirty="0" smtClean="0"/>
+                  <a:t>X</a:t>
+                </a:r>
+                <a:r>
+                  <a:rPr lang="zh-CN" altLang="en-US" dirty="0"/>
+                  <a:t>是一个稀疏矩阵</a:t>
+                </a:r>
+                <a:r>
+                  <a:rPr lang="zh-CN" altLang="en-US" dirty="0" smtClean="0"/>
+                  <a:t>，</a:t>
+                </a:r>
+                <a14:m>
+                  <m:oMath xmlns:m="http://schemas.openxmlformats.org/officeDocument/2006/math">
+                    <m:sSub>
+                      <m:sSubPr>
+                        <m:ctrlPr>
+                          <a:rPr lang="en-US" altLang="zh-CN" b="0" i="1" smtClean="0">
+                            <a:latin typeface="Cambria Math" panose="02040503050406030204" pitchFamily="18" charset="0"/>
+                          </a:rPr>
+                        </m:ctrlPr>
+                      </m:sSubPr>
+                      <m:e>
+                        <m:r>
+                          <a:rPr lang="en-US" altLang="zh-CN" b="0" i="1" smtClean="0">
+                            <a:latin typeface="Cambria Math" panose="02040503050406030204" pitchFamily="18" charset="0"/>
+                          </a:rPr>
+                          <m:t>𝑋</m:t>
+                        </m:r>
+                      </m:e>
+                      <m:sub>
+                        <m:r>
+                          <a:rPr lang="en-US" altLang="zh-CN" b="0" i="1" smtClean="0">
+                            <a:latin typeface="Cambria Math" panose="02040503050406030204" pitchFamily="18" charset="0"/>
+                          </a:rPr>
+                          <m:t>𝑖𝑗</m:t>
+                        </m:r>
+                      </m:sub>
+                    </m:sSub>
+                  </m:oMath>
+                </a14:m>
+                <a:r>
+                  <a:rPr lang="en-US" altLang="zh-CN" dirty="0" smtClean="0"/>
+                  <a:t> </a:t>
+                </a:r>
+                <a:r>
+                  <a:rPr lang="zh-CN" altLang="en-US" dirty="0"/>
+                  <a:t>表示位置</a:t>
+                </a:r>
+                <a:r>
+                  <a:rPr lang="en-US" altLang="zh-CN" dirty="0" err="1"/>
+                  <a:t>i</a:t>
+                </a:r>
+                <a:r>
+                  <a:rPr lang="zh-CN" altLang="en-US" dirty="0"/>
+                  <a:t>出现活动</a:t>
+                </a:r>
+                <a:r>
+                  <a:rPr lang="en-US" altLang="zh-CN" dirty="0"/>
+                  <a:t>j</a:t>
+                </a:r>
+                <a:r>
+                  <a:rPr lang="zh-CN" altLang="en-US" dirty="0"/>
+                  <a:t>的频率，通过矩阵分解的方式进行缺失值填补。</a:t>
+                </a:r>
+                <a:br>
+                  <a:rPr lang="zh-CN" altLang="en-US" dirty="0"/>
+                </a:br>
+                <a:r>
+                  <a:rPr lang="zh-CN" altLang="en-US" dirty="0"/>
+                  <a:t>填补后可以进行推荐（对活动推荐</a:t>
+                </a:r>
+                <a:r>
+                  <a:rPr lang="en-US" altLang="zh-CN" dirty="0" err="1"/>
+                  <a:t>topK</a:t>
+                </a:r>
+                <a:r>
+                  <a:rPr lang="zh-CN" altLang="en-US" dirty="0"/>
+                  <a:t>位置，对位置推荐活动）</a:t>
+                </a:r>
+                <a:r>
+                  <a:rPr lang="zh-CN" altLang="en-US" dirty="0" smtClean="0"/>
+                  <a:t>。</a:t>
+                </a:r>
+                <a:r>
+                  <a:rPr lang="zh-CN" altLang="en-US" dirty="0"/>
+                  <a:t/>
+                </a:r>
+                <a:br>
+                  <a:rPr lang="zh-CN" altLang="en-US" dirty="0"/>
+                </a:br>
+                <a:r>
+                  <a:rPr lang="en-US" altLang="zh-CN" dirty="0"/>
+                  <a:t>Y</a:t>
+                </a:r>
+                <a:r>
+                  <a:rPr lang="zh-CN" altLang="en-US" dirty="0"/>
+                  <a:t>是一个位置的地理特征，比如</a:t>
+                </a:r>
+                <a:r>
+                  <a:rPr lang="en-US" altLang="zh-CN" dirty="0"/>
+                  <a:t>POI</a:t>
+                </a:r>
+                <a:r>
+                  <a:rPr lang="zh-CN" altLang="en-US" dirty="0" smtClean="0"/>
+                  <a:t>信息</a:t>
+                </a:r>
+                <a:r>
+                  <a:rPr lang="zh-CN" altLang="en-US" dirty="0"/>
+                  <a:t/>
+                </a:r>
+                <a:br>
+                  <a:rPr lang="zh-CN" altLang="en-US" dirty="0"/>
+                </a:br>
+                <a:r>
+                  <a:rPr lang="en-US" altLang="zh-CN" dirty="0"/>
+                  <a:t>Z</a:t>
+                </a:r>
+                <a:r>
+                  <a:rPr lang="zh-CN" altLang="en-US" dirty="0"/>
+                  <a:t>是一个活动之间的相关性矩阵</a:t>
+                </a:r>
+                <a:r>
+                  <a:rPr lang="zh-CN" altLang="en-US" dirty="0" smtClean="0"/>
+                  <a:t>。</a:t>
+                </a:r>
+                <a:r>
+                  <a:rPr lang="zh-CN" altLang="en-US" dirty="0"/>
+                  <a:t/>
+                </a:r>
+                <a:br>
+                  <a:rPr lang="zh-CN" altLang="en-US" dirty="0"/>
+                </a:br>
+                <a:r>
+                  <a:rPr lang="zh-CN" altLang="en-US" dirty="0"/>
+                  <a:t>最终的目标函数</a:t>
+                </a:r>
+                <a:r>
+                  <a:rPr lang="zh-CN" altLang="en-US" dirty="0" smtClean="0"/>
+                  <a:t>如</a:t>
+                </a:r>
+                <a:r>
+                  <a:rPr lang="zh-CN" altLang="en-US" dirty="0"/>
+                  <a:t>下</a:t>
+                </a:r>
+                <a:r>
+                  <a:rPr lang="zh-CN" altLang="en-US" dirty="0" smtClean="0"/>
+                  <a:t>所</a:t>
+                </a:r>
+                <a:r>
+                  <a:rPr lang="zh-CN" altLang="en-US" dirty="0"/>
+                  <a:t>示，前半部分即分解矩阵要尽可能和原矩阵接近，后半部分为正则项。</a:t>
+                </a:r>
+              </a:p>
+            </p:txBody>
+          </p:sp>
+        </mc:Choice>
+        <mc:Fallback>
+          <p:sp>
+            <p:nvSpPr>
+              <p:cNvPr id="3" name="矩形 2"/>
+              <p:cNvSpPr>
+                <a:spLocks noRot="1" noChangeAspect="1" noMove="1" noResize="1" noEditPoints="1" noAdjustHandles="1" noChangeArrowheads="1" noChangeShapeType="1" noTextEdit="1"/>
+              </p:cNvSpPr>
+              <p:nvPr/>
+            </p:nvSpPr>
+            <p:spPr>
+              <a:xfrm>
+                <a:off x="402454" y="1007084"/>
+                <a:ext cx="10814186" cy="1776640"/>
+              </a:xfrm>
+              <a:prstGeom prst="rect">
+                <a:avLst/>
+              </a:prstGeom>
+              <a:blipFill rotWithShape="0">
+                <a:blip r:embed="rId2"/>
+                <a:stretch>
+                  <a:fillRect l="-451" t="-2740" b="-3082"/>
+                </a:stretch>
+              </a:blipFill>
+            </p:spPr>
+            <p:txBody>
+              <a:bodyPr/>
+              <a:lstStyle/>
+              <a:p>
+                <a:r>
+                  <a:rPr lang="zh-CN" altLang="en-US">
+                    <a:noFill/>
+                  </a:rPr>
+                  <a:t> </a:t>
+                </a:r>
+              </a:p>
+            </p:txBody>
+          </p:sp>
+        </mc:Fallback>
+      </mc:AlternateContent>
+      <p:pic>
+        <p:nvPicPr>
+          <p:cNvPr id="4" name="图片 3"/>
+          <p:cNvPicPr>
+            <a:picLocks noChangeAspect="1"/>
+          </p:cNvPicPr>
+          <p:nvPr/>
+        </p:nvPicPr>
+        <p:blipFill>
+          <a:blip r:embed="rId3">
+            <a:extLst>
+              <a:ext uri="{28A0092B-C50C-407E-A947-70E740481C1C}">
+                <a14:useLocalDpi xmlns:a14="http://schemas.microsoft.com/office/drawing/2010/main" val="0"/>
+              </a:ext>
+            </a:extLst>
+          </a:blip>
+          <a:stretch>
+            <a:fillRect/>
+          </a:stretch>
+        </p:blipFill>
+        <p:spPr>
+          <a:xfrm>
+            <a:off x="1528438" y="2941220"/>
+            <a:ext cx="7612152" cy="2101042"/>
+          </a:xfrm>
+          <a:prstGeom prst="rect">
+            <a:avLst/>
+          </a:prstGeom>
+        </p:spPr>
+      </p:pic>
+      <p:pic>
+        <p:nvPicPr>
+          <p:cNvPr id="5" name="图片 4"/>
+          <p:cNvPicPr>
+            <a:picLocks noChangeAspect="1"/>
+          </p:cNvPicPr>
+          <p:nvPr/>
+        </p:nvPicPr>
+        <p:blipFill>
+          <a:blip r:embed="rId4" cstate="print">
+            <a:extLst>
+              <a:ext uri="{28A0092B-C50C-407E-A947-70E740481C1C}">
+                <a14:useLocalDpi xmlns:a14="http://schemas.microsoft.com/office/drawing/2010/main" val="0"/>
+              </a:ext>
+            </a:extLst>
+          </a:blip>
+          <a:stretch>
+            <a:fillRect/>
+          </a:stretch>
+        </p:blipFill>
+        <p:spPr>
+          <a:xfrm>
+            <a:off x="780347" y="5330618"/>
+            <a:ext cx="10058400" cy="698891"/>
+          </a:xfrm>
+          <a:prstGeom prst="rect">
+            <a:avLst/>
+          </a:prstGeom>
+        </p:spPr>
+      </p:pic>
     </p:spTree>
     <p:extLst>
       <p:ext uri="{BB962C8B-B14F-4D97-AF65-F5344CB8AC3E}">
@@ -3133,6 +3773,13 @@
   <p:clrMapOvr>
     <a:masterClrMapping/>
   </p:clrMapOvr>
+  <p:timing>
+    <p:tnLst>
+      <p:par>
+        <p:cTn id="1" dur="indefinite" restart="never" nodeType="tmRoot"/>
+      </p:par>
+    </p:tnLst>
+  </p:timing>
 </p:sld>
 </file>
 
@@ -3153,6 +3800,386 @@
           <a:chExt cx="0" cy="0"/>
         </a:xfrm>
       </p:grpSpPr>
+      <p:sp>
+        <p:nvSpPr>
+          <p:cNvPr id="2" name="矩形 1"/>
+          <p:cNvSpPr/>
+          <p:nvPr/>
+        </p:nvSpPr>
+        <p:spPr>
+          <a:xfrm>
+            <a:off x="269964" y="231168"/>
+            <a:ext cx="9972474" cy="461665"/>
+          </a:xfrm>
+          <a:prstGeom prst="rect">
+            <a:avLst/>
+          </a:prstGeom>
+        </p:spPr>
+        <p:txBody>
+          <a:bodyPr wrap="none">
+            <a:spAutoFit/>
+          </a:bodyPr>
+          <a:lstStyle/>
+          <a:p>
+            <a:r>
+              <a:rPr lang="en-US" altLang="zh-CN" sz="2400" b="1" dirty="0" smtClean="0"/>
+              <a:t>SEMANTIC MEANING-BASED - Similarity-Based - </a:t>
+            </a:r>
+            <a:r>
+              <a:rPr lang="en-US" altLang="zh-CN" sz="2400" dirty="0"/>
+              <a:t>Coupled Matrix Factorization</a:t>
+            </a:r>
+            <a:endParaRPr lang="zh-CN" altLang="en-US" sz="2400" dirty="0"/>
+          </a:p>
+        </p:txBody>
+      </p:sp>
+      <mc:AlternateContent xmlns:mc="http://schemas.openxmlformats.org/markup-compatibility/2006">
+        <mc:Choice xmlns:a14="http://schemas.microsoft.com/office/drawing/2010/main" Requires="a14">
+          <p:sp>
+            <p:nvSpPr>
+              <p:cNvPr id="3" name="矩形 2"/>
+              <p:cNvSpPr/>
+              <p:nvPr/>
+            </p:nvSpPr>
+            <p:spPr>
+              <a:xfrm>
+                <a:off x="269964" y="770758"/>
+                <a:ext cx="12017830" cy="1200329"/>
+              </a:xfrm>
+              <a:prstGeom prst="rect">
+                <a:avLst/>
+              </a:prstGeom>
+            </p:spPr>
+            <p:txBody>
+              <a:bodyPr wrap="square">
+                <a:spAutoFit/>
+              </a:bodyPr>
+              <a:lstStyle/>
+              <a:p>
+                <a:r>
+                  <a:rPr lang="zh-CN" altLang="en-US" b="1" dirty="0" smtClean="0"/>
+                  <a:t>例子</a:t>
+                </a:r>
+                <a:r>
+                  <a:rPr lang="en-US" altLang="zh-CN" b="1" dirty="0"/>
+                  <a:t>11</a:t>
+                </a:r>
+                <a:r>
+                  <a:rPr lang="zh-CN" altLang="en-US" b="1" dirty="0"/>
+                  <a:t>（估计路段的车速值）</a:t>
+                </a:r>
+                <a:endParaRPr lang="en-US" altLang="zh-CN" dirty="0" smtClean="0"/>
+              </a:p>
+              <a:p>
+                <a14:m>
+                  <m:oMath xmlns:m="http://schemas.openxmlformats.org/officeDocument/2006/math">
+                    <m:sSubSup>
+                      <m:sSubSupPr>
+                        <m:ctrlPr>
+                          <a:rPr lang="en-US" altLang="zh-CN" b="0" i="1" smtClean="0">
+                            <a:latin typeface="Cambria Math" panose="02040503050406030204" pitchFamily="18" charset="0"/>
+                          </a:rPr>
+                        </m:ctrlPr>
+                      </m:sSubSupPr>
+                      <m:e>
+                        <m:r>
+                          <a:rPr lang="en-US" altLang="zh-CN" b="0" i="1" smtClean="0">
+                            <a:latin typeface="Cambria Math" panose="02040503050406030204" pitchFamily="18" charset="0"/>
+                          </a:rPr>
+                          <m:t>𝑀</m:t>
+                        </m:r>
+                      </m:e>
+                      <m:sub>
+                        <m:r>
+                          <a:rPr lang="en-US" altLang="zh-CN" b="0" i="1" smtClean="0">
+                            <a:latin typeface="Cambria Math" panose="02040503050406030204" pitchFamily="18" charset="0"/>
+                          </a:rPr>
+                          <m:t>𝑟</m:t>
+                        </m:r>
+                      </m:sub>
+                      <m:sup>
+                        <m:r>
+                          <a:rPr lang="en-US" altLang="zh-CN" b="0" i="1" smtClean="0">
+                            <a:latin typeface="Cambria Math" panose="02040503050406030204" pitchFamily="18" charset="0"/>
+                          </a:rPr>
+                          <m:t>′</m:t>
+                        </m:r>
+                      </m:sup>
+                    </m:sSubSup>
+                  </m:oMath>
+                </a14:m>
+                <a:r>
+                  <a:rPr lang="zh-CN" altLang="en-US" dirty="0" smtClean="0"/>
+                  <a:t>代表</a:t>
+                </a:r>
+                <a:r>
+                  <a:rPr lang="zh-CN" altLang="en-US" dirty="0"/>
+                  <a:t>时间</a:t>
+                </a:r>
+                <a:r>
+                  <a:rPr lang="en-US" altLang="zh-CN" dirty="0"/>
+                  <a:t>t</a:t>
+                </a:r>
+                <a:r>
+                  <a:rPr lang="zh-CN" altLang="en-US" dirty="0"/>
+                  <a:t>，路段</a:t>
+                </a:r>
+                <a:r>
+                  <a:rPr lang="en-US" altLang="zh-CN" dirty="0"/>
+                  <a:t>r</a:t>
+                </a:r>
+                <a:r>
+                  <a:rPr lang="zh-CN" altLang="en-US" dirty="0"/>
+                  <a:t>的车速实际值</a:t>
+                </a:r>
+                <a:r>
+                  <a:rPr lang="zh-CN" altLang="en-US" dirty="0" smtClean="0"/>
+                  <a:t>，</a:t>
+                </a:r>
+                <a14:m>
+                  <m:oMath xmlns:m="http://schemas.openxmlformats.org/officeDocument/2006/math">
+                    <m:sSub>
+                      <m:sSubPr>
+                        <m:ctrlPr>
+                          <a:rPr lang="en-US" altLang="zh-CN" b="0" i="1" smtClean="0">
+                            <a:latin typeface="Cambria Math" panose="02040503050406030204" pitchFamily="18" charset="0"/>
+                          </a:rPr>
+                        </m:ctrlPr>
+                      </m:sSubPr>
+                      <m:e>
+                        <m:r>
+                          <a:rPr lang="en-US" altLang="zh-CN" b="0" i="1" smtClean="0">
+                            <a:latin typeface="Cambria Math" panose="02040503050406030204" pitchFamily="18" charset="0"/>
+                          </a:rPr>
+                          <m:t>𝑀</m:t>
+                        </m:r>
+                      </m:e>
+                      <m:sub>
+                        <m:r>
+                          <a:rPr lang="en-US" altLang="zh-CN" b="0" i="1" smtClean="0">
+                            <a:latin typeface="Cambria Math" panose="02040503050406030204" pitchFamily="18" charset="0"/>
+                          </a:rPr>
+                          <m:t>𝑟</m:t>
+                        </m:r>
+                      </m:sub>
+                    </m:sSub>
+                  </m:oMath>
+                </a14:m>
+                <a:r>
+                  <a:rPr lang="zh-CN" altLang="en-US" dirty="0" smtClean="0"/>
+                  <a:t>代表</a:t>
+                </a:r>
+                <a:r>
+                  <a:rPr lang="zh-CN" altLang="en-US" dirty="0"/>
+                  <a:t>车速的平均值（基于历史数据），通过</a:t>
+                </a:r>
+                <a:r>
+                  <a:rPr lang="en-US" altLang="zh-CN" dirty="0"/>
+                  <a:t>taxi</a:t>
+                </a:r>
+                <a:r>
+                  <a:rPr lang="zh-CN" altLang="en-US" dirty="0"/>
+                  <a:t>轨迹数据建立，</a:t>
+                </a:r>
+                <a:r>
+                  <a:rPr lang="zh-CN" altLang="en-US" dirty="0" smtClean="0"/>
+                  <a:t>稀疏</a:t>
+                </a:r>
+                <a:r>
+                  <a:rPr lang="zh-CN" altLang="en-US" dirty="0"/>
+                  <a:t/>
+                </a:r>
+                <a:br>
+                  <a:rPr lang="zh-CN" altLang="en-US" dirty="0"/>
+                </a:br>
+                <a:r>
+                  <a:rPr lang="en-US" altLang="zh-CN" dirty="0"/>
+                  <a:t>Z</a:t>
+                </a:r>
+                <a:r>
+                  <a:rPr lang="zh-CN" altLang="en-US" dirty="0"/>
+                  <a:t>代表路段的特征，例如路段的</a:t>
+                </a:r>
+                <a:r>
+                  <a:rPr lang="en-US" altLang="zh-CN" dirty="0"/>
+                  <a:t>POI</a:t>
+                </a:r>
+                <a:r>
+                  <a:rPr lang="zh-CN" altLang="en-US" dirty="0"/>
+                  <a:t>，路段的限速，车道数等特征</a:t>
+                </a:r>
+                <a:r>
+                  <a:rPr lang="zh-CN" altLang="en-US" dirty="0" smtClean="0"/>
+                  <a:t>。</a:t>
+                </a:r>
+                <a:r>
+                  <a:rPr lang="zh-CN" altLang="en-US" dirty="0"/>
+                  <a:t/>
+                </a:r>
+                <a:br>
+                  <a:rPr lang="zh-CN" altLang="en-US" dirty="0"/>
+                </a:br>
+                <a14:m>
+                  <m:oMath xmlns:m="http://schemas.openxmlformats.org/officeDocument/2006/math">
+                    <m:sSub>
+                      <m:sSubPr>
+                        <m:ctrlPr>
+                          <a:rPr lang="en-US" altLang="zh-CN" b="0" i="1" smtClean="0">
+                            <a:latin typeface="Cambria Math" panose="02040503050406030204" pitchFamily="18" charset="0"/>
+                          </a:rPr>
+                        </m:ctrlPr>
+                      </m:sSubPr>
+                      <m:e>
+                        <m:r>
+                          <a:rPr lang="en-US" altLang="zh-CN" b="0" i="1" smtClean="0">
+                            <a:latin typeface="Cambria Math" panose="02040503050406030204" pitchFamily="18" charset="0"/>
+                          </a:rPr>
+                          <m:t>𝑀</m:t>
+                        </m:r>
+                      </m:e>
+                      <m:sub>
+                        <m:r>
+                          <a:rPr lang="en-US" altLang="zh-CN" b="0" i="1" smtClean="0">
+                            <a:latin typeface="Cambria Math" panose="02040503050406030204" pitchFamily="18" charset="0"/>
+                          </a:rPr>
+                          <m:t>𝐺</m:t>
+                        </m:r>
+                      </m:sub>
+                    </m:sSub>
+                  </m:oMath>
+                </a14:m>
+                <a:r>
+                  <a:rPr lang="zh-CN" altLang="en-US" dirty="0" smtClean="0"/>
+                  <a:t>代表</a:t>
+                </a:r>
+                <a:r>
+                  <a:rPr lang="zh-CN" altLang="en-US" dirty="0"/>
+                  <a:t>时间</a:t>
+                </a:r>
+                <a:r>
+                  <a:rPr lang="en-US" altLang="zh-CN" dirty="0"/>
+                  <a:t>t</a:t>
+                </a:r>
+                <a:r>
+                  <a:rPr lang="zh-CN" altLang="en-US" dirty="0"/>
+                  <a:t>，网格</a:t>
+                </a:r>
+                <a:r>
+                  <a:rPr lang="en-US" altLang="zh-CN" dirty="0"/>
+                  <a:t>g</a:t>
+                </a:r>
+                <a:r>
+                  <a:rPr lang="zh-CN" altLang="en-US" dirty="0"/>
+                  <a:t>的车流量，有平均值和实际值</a:t>
+                </a:r>
+                <a:r>
+                  <a:rPr lang="zh-CN" altLang="en-US" dirty="0" smtClean="0"/>
+                  <a:t>。</a:t>
+                </a:r>
+                <a:endParaRPr lang="zh-CN" altLang="en-US" dirty="0"/>
+              </a:p>
+            </p:txBody>
+          </p:sp>
+        </mc:Choice>
+        <mc:Fallback>
+          <p:sp>
+            <p:nvSpPr>
+              <p:cNvPr id="3" name="矩形 2"/>
+              <p:cNvSpPr>
+                <a:spLocks noRot="1" noChangeAspect="1" noMove="1" noResize="1" noEditPoints="1" noAdjustHandles="1" noChangeArrowheads="1" noChangeShapeType="1" noTextEdit="1"/>
+              </p:cNvSpPr>
+              <p:nvPr/>
+            </p:nvSpPr>
+            <p:spPr>
+              <a:xfrm>
+                <a:off x="269964" y="770758"/>
+                <a:ext cx="12017830" cy="1200329"/>
+              </a:xfrm>
+              <a:prstGeom prst="rect">
+                <a:avLst/>
+              </a:prstGeom>
+              <a:blipFill rotWithShape="0">
+                <a:blip r:embed="rId2"/>
+                <a:stretch>
+                  <a:fillRect l="-406" t="-4061" b="-7614"/>
+                </a:stretch>
+              </a:blipFill>
+            </p:spPr>
+            <p:txBody>
+              <a:bodyPr/>
+              <a:lstStyle/>
+              <a:p>
+                <a:r>
+                  <a:rPr lang="zh-CN" altLang="en-US">
+                    <a:noFill/>
+                  </a:rPr>
+                  <a:t> </a:t>
+                </a:r>
+              </a:p>
+            </p:txBody>
+          </p:sp>
+        </mc:Fallback>
+      </mc:AlternateContent>
+      <p:pic>
+        <p:nvPicPr>
+          <p:cNvPr id="4" name="图片 3"/>
+          <p:cNvPicPr>
+            <a:picLocks noChangeAspect="1"/>
+          </p:cNvPicPr>
+          <p:nvPr/>
+        </p:nvPicPr>
+        <p:blipFill>
+          <a:blip r:embed="rId3" cstate="print">
+            <a:extLst>
+              <a:ext uri="{28A0092B-C50C-407E-A947-70E740481C1C}">
+                <a14:useLocalDpi xmlns:a14="http://schemas.microsoft.com/office/drawing/2010/main" val="0"/>
+              </a:ext>
+            </a:extLst>
+          </a:blip>
+          <a:stretch>
+            <a:fillRect/>
+          </a:stretch>
+        </p:blipFill>
+        <p:spPr>
+          <a:xfrm>
+            <a:off x="269964" y="6276988"/>
+            <a:ext cx="10058400" cy="658433"/>
+          </a:xfrm>
+          <a:prstGeom prst="rect">
+            <a:avLst/>
+          </a:prstGeom>
+        </p:spPr>
+      </p:pic>
+      <p:pic>
+        <p:nvPicPr>
+          <p:cNvPr id="5" name="图片 4"/>
+          <p:cNvPicPr>
+            <a:picLocks noChangeAspect="1"/>
+          </p:cNvPicPr>
+          <p:nvPr/>
+        </p:nvPicPr>
+        <p:blipFill>
+          <a:blip r:embed="rId4">
+            <a:extLst>
+              <a:ext uri="{28A0092B-C50C-407E-A947-70E740481C1C}">
+                <a14:useLocalDpi xmlns:a14="http://schemas.microsoft.com/office/drawing/2010/main" val="0"/>
+              </a:ext>
+            </a:extLst>
+          </a:blip>
+          <a:stretch>
+            <a:fillRect/>
+          </a:stretch>
+        </p:blipFill>
+        <p:spPr>
+          <a:xfrm>
+            <a:off x="386941" y="1971087"/>
+            <a:ext cx="6506483" cy="4305901"/>
+          </a:xfrm>
+          <a:prstGeom prst="rect">
+            <a:avLst/>
+          </a:prstGeom>
+        </p:spPr>
+      </p:pic>
     </p:spTree>
     <p:extLst>
       <p:ext uri="{BB962C8B-B14F-4D97-AF65-F5344CB8AC3E}">
@@ -3163,6 +4190,13 @@
   <p:clrMapOvr>
     <a:masterClrMapping/>
   </p:clrMapOvr>
+  <p:timing>
+    <p:tnLst>
+      <p:par>
+        <p:cTn id="1" dur="indefinite" restart="never" nodeType="tmRoot"/>
+      </p:par>
+    </p:tnLst>
+  </p:timing>
 </p:sld>
 </file>
 
@@ -3183,6 +4217,178 @@
           <a:chExt cx="0" cy="0"/>
         </a:xfrm>
       </p:grpSpPr>
+      <p:sp>
+        <p:nvSpPr>
+          <p:cNvPr id="2" name="矩形 1"/>
+          <p:cNvSpPr/>
+          <p:nvPr/>
+        </p:nvSpPr>
+        <p:spPr>
+          <a:xfrm>
+            <a:off x="269964" y="231168"/>
+            <a:ext cx="8850372" cy="461665"/>
+          </a:xfrm>
+          <a:prstGeom prst="rect">
+            <a:avLst/>
+          </a:prstGeom>
+        </p:spPr>
+        <p:txBody>
+          <a:bodyPr wrap="none">
+            <a:spAutoFit/>
+          </a:bodyPr>
+          <a:lstStyle/>
+          <a:p>
+            <a:r>
+              <a:rPr lang="en-US" altLang="zh-CN" sz="2400" b="1" dirty="0" smtClean="0"/>
+              <a:t>SEMANTIC MEANING-BASED - Similarity-Based - </a:t>
+            </a:r>
+            <a:r>
+              <a:rPr lang="en-US" altLang="zh-CN" sz="2400" dirty="0"/>
+              <a:t>Manifold Alignment</a:t>
+            </a:r>
+            <a:endParaRPr lang="zh-CN" altLang="en-US" sz="2400" dirty="0"/>
+          </a:p>
+        </p:txBody>
+      </p:sp>
+      <p:sp>
+        <p:nvSpPr>
+          <p:cNvPr id="3" name="矩形 2"/>
+          <p:cNvSpPr/>
+          <p:nvPr/>
+        </p:nvSpPr>
+        <p:spPr>
+          <a:xfrm>
+            <a:off x="470263" y="946109"/>
+            <a:ext cx="6792686" cy="646331"/>
+          </a:xfrm>
+          <a:prstGeom prst="rect">
+            <a:avLst/>
+          </a:prstGeom>
+        </p:spPr>
+        <p:txBody>
+          <a:bodyPr wrap="square">
+            <a:spAutoFit/>
+          </a:bodyPr>
+          <a:lstStyle/>
+          <a:p>
+            <a:r>
+              <a:rPr lang="zh-CN" altLang="en-US" b="1" dirty="0"/>
+              <a:t>例子</a:t>
+            </a:r>
+            <a:r>
+              <a:rPr lang="en-US" altLang="zh-CN" b="1" dirty="0"/>
+              <a:t>12</a:t>
+            </a:r>
+            <a:r>
+              <a:rPr lang="zh-CN" altLang="en-US" b="1" dirty="0"/>
+              <a:t>（细粒度城市噪声）</a:t>
+            </a:r>
+            <a:endParaRPr lang="en-US" altLang="zh-CN" dirty="0" smtClean="0"/>
+          </a:p>
+          <a:p>
+            <a:r>
+              <a:rPr lang="en-US" altLang="zh-CN" dirty="0" smtClean="0"/>
+              <a:t>X</a:t>
+            </a:r>
+            <a:r>
+              <a:rPr lang="zh-CN" altLang="en-US" dirty="0"/>
+              <a:t>为区域特征，</a:t>
+            </a:r>
+            <a:r>
+              <a:rPr lang="en-US" altLang="zh-CN" dirty="0"/>
+              <a:t>Z</a:t>
+            </a:r>
+            <a:r>
+              <a:rPr lang="zh-CN" altLang="en-US" dirty="0"/>
+              <a:t>为噪声种类相关性，</a:t>
+            </a:r>
+            <a:r>
+              <a:rPr lang="en-US" altLang="zh-CN" dirty="0"/>
+              <a:t>Y</a:t>
+            </a:r>
+            <a:r>
+              <a:rPr lang="zh-CN" altLang="en-US" dirty="0"/>
+              <a:t>为时间</a:t>
+            </a:r>
+            <a:r>
+              <a:rPr lang="en-US" altLang="zh-CN" dirty="0"/>
+              <a:t>t</a:t>
+            </a:r>
+            <a:r>
+              <a:rPr lang="zh-CN" altLang="en-US" dirty="0"/>
+              <a:t>区域</a:t>
+            </a:r>
+            <a:r>
+              <a:rPr lang="en-US" altLang="zh-CN" dirty="0"/>
+              <a:t>r</a:t>
+            </a:r>
+            <a:r>
+              <a:rPr lang="zh-CN" altLang="en-US" dirty="0"/>
+              <a:t>的人流量。</a:t>
+            </a:r>
+          </a:p>
+        </p:txBody>
+      </p:sp>
+      <p:pic>
+        <p:nvPicPr>
+          <p:cNvPr id="4" name="图片 3"/>
+          <p:cNvPicPr>
+            <a:picLocks noChangeAspect="1"/>
+          </p:cNvPicPr>
+          <p:nvPr/>
+        </p:nvPicPr>
+        <p:blipFill>
+          <a:blip r:embed="rId2">
+            <a:extLst>
+              <a:ext uri="{28A0092B-C50C-407E-A947-70E740481C1C}">
+                <a14:useLocalDpi xmlns:a14="http://schemas.microsoft.com/office/drawing/2010/main" val="0"/>
+              </a:ext>
+            </a:extLst>
+          </a:blip>
+          <a:stretch>
+            <a:fillRect/>
+          </a:stretch>
+        </p:blipFill>
+        <p:spPr>
+          <a:xfrm>
+            <a:off x="1042536" y="1845716"/>
+            <a:ext cx="6449325" cy="3534268"/>
+          </a:xfrm>
+          <a:prstGeom prst="rect">
+            <a:avLst/>
+          </a:prstGeom>
+        </p:spPr>
+      </p:pic>
+      <p:pic>
+        <p:nvPicPr>
+          <p:cNvPr id="5" name="图片 4"/>
+          <p:cNvPicPr>
+            <a:picLocks noChangeAspect="1"/>
+          </p:cNvPicPr>
+          <p:nvPr/>
+        </p:nvPicPr>
+        <p:blipFill>
+          <a:blip r:embed="rId3">
+            <a:extLst>
+              <a:ext uri="{28A0092B-C50C-407E-A947-70E740481C1C}">
+                <a14:useLocalDpi xmlns:a14="http://schemas.microsoft.com/office/drawing/2010/main" val="0"/>
+              </a:ext>
+            </a:extLst>
+          </a:blip>
+          <a:stretch>
+            <a:fillRect/>
+          </a:stretch>
+        </p:blipFill>
+        <p:spPr>
+          <a:xfrm>
+            <a:off x="880488" y="5476682"/>
+            <a:ext cx="6268325" cy="1381318"/>
+          </a:xfrm>
+          <a:prstGeom prst="rect">
+            <a:avLst/>
+          </a:prstGeom>
+        </p:spPr>
+      </p:pic>
     </p:spTree>
     <p:extLst>
       <p:ext uri="{BB962C8B-B14F-4D97-AF65-F5344CB8AC3E}">
@@ -3193,6 +4399,13 @@
   <p:clrMapOvr>
     <a:masterClrMapping/>
   </p:clrMapOvr>
+  <p:timing>
+    <p:tnLst>
+      <p:par>
+        <p:cTn id="1" dur="indefinite" restart="never" nodeType="tmRoot"/>
+      </p:par>
+    </p:tnLst>
+  </p:timing>
 </p:sld>
 </file>
 
@@ -3223,6 +4436,13 @@
   <p:clrMapOvr>
     <a:masterClrMapping/>
   </p:clrMapOvr>
+  <p:timing>
+    <p:tnLst>
+      <p:par>
+        <p:cTn id="1" dur="indefinite" restart="never" nodeType="tmRoot"/>
+      </p:par>
+    </p:tnLst>
+  </p:timing>
 </p:sld>
 </file>
 
@@ -4015,7 +5235,7 @@
         </p:nvSpPr>
         <p:spPr>
           <a:xfrm>
-            <a:off x="426720" y="1537454"/>
+            <a:off x="531652" y="1398954"/>
             <a:ext cx="4570482" cy="369332"/>
           </a:xfrm>
           <a:prstGeom prst="rect">
@@ -4095,6 +5315,227 @@
               <a:t>）</a:t>
             </a:r>
             <a:endParaRPr lang="zh-CN" altLang="en-US" dirty="0"/>
+          </a:p>
+        </p:txBody>
+      </p:sp>
+      <p:sp>
+        <p:nvSpPr>
+          <p:cNvPr id="5" name="文本框 4"/>
+          <p:cNvSpPr txBox="1"/>
+          <p:nvPr/>
+        </p:nvSpPr>
+        <p:spPr>
+          <a:xfrm>
+            <a:off x="2455817" y="324981"/>
+            <a:ext cx="5955476" cy="369332"/>
+          </a:xfrm>
+          <a:prstGeom prst="rect">
+            <a:avLst/>
+          </a:prstGeom>
+          <a:noFill/>
+        </p:spPr>
+        <p:txBody>
+          <a:bodyPr wrap="none" rtlCol="0">
+            <a:spAutoFit/>
+          </a:bodyPr>
+          <a:lstStyle/>
+          <a:p>
+            <a:r>
+              <a:rPr lang="zh-CN" altLang="en-US" dirty="0"/>
+              <a:t>定义：在数据挖掘任务的不同阶段，采用不同的数据集。</a:t>
+            </a:r>
+          </a:p>
+        </p:txBody>
+      </p:sp>
+      <p:sp>
+        <p:nvSpPr>
+          <p:cNvPr id="6" name="矩形 5"/>
+          <p:cNvSpPr/>
+          <p:nvPr/>
+        </p:nvSpPr>
+        <p:spPr>
+          <a:xfrm>
+            <a:off x="5852160" y="1260455"/>
+            <a:ext cx="6096000" cy="646331"/>
+          </a:xfrm>
+          <a:prstGeom prst="rect">
+            <a:avLst/>
+          </a:prstGeom>
+        </p:spPr>
+        <p:txBody>
+          <a:bodyPr>
+            <a:spAutoFit/>
+          </a:bodyPr>
+          <a:lstStyle/>
+          <a:p>
+            <a:r>
+              <a:rPr lang="en-US" altLang="zh-CN" dirty="0">
+                <a:solidFill>
+                  <a:srgbClr val="24292E"/>
+                </a:solidFill>
+                <a:latin typeface="-apple-system"/>
+              </a:rPr>
+              <a:t>stage2</a:t>
+            </a:r>
+            <a:r>
+              <a:rPr lang="zh-CN" altLang="en-US" dirty="0">
+                <a:solidFill>
+                  <a:srgbClr val="24292E"/>
+                </a:solidFill>
+                <a:latin typeface="-apple-system"/>
+              </a:rPr>
+              <a:t>：通过出租车轨迹数据，画出一个</a:t>
+            </a:r>
+            <a:r>
+              <a:rPr lang="en-US" altLang="zh-CN" dirty="0">
+                <a:solidFill>
+                  <a:srgbClr val="24292E"/>
+                </a:solidFill>
+                <a:latin typeface="-apple-system"/>
+              </a:rPr>
+              <a:t>graph</a:t>
+            </a:r>
+            <a:r>
+              <a:rPr lang="zh-CN" altLang="en-US" dirty="0">
+                <a:solidFill>
+                  <a:srgbClr val="24292E"/>
+                </a:solidFill>
+                <a:latin typeface="-apple-system"/>
+              </a:rPr>
+              <a:t>，点代表</a:t>
+            </a:r>
+            <a:r>
+              <a:rPr lang="en-US" altLang="zh-CN" dirty="0">
+                <a:solidFill>
+                  <a:srgbClr val="24292E"/>
+                </a:solidFill>
+                <a:latin typeface="-apple-system"/>
+              </a:rPr>
+              <a:t>stage1</a:t>
+            </a:r>
+            <a:r>
+              <a:rPr lang="zh-CN" altLang="en-US" dirty="0">
+                <a:solidFill>
+                  <a:srgbClr val="24292E"/>
+                </a:solidFill>
+                <a:latin typeface="-apple-system"/>
+              </a:rPr>
+              <a:t>中构造的区域</a:t>
+            </a:r>
+            <a:r>
+              <a:rPr lang="zh-CN" altLang="en-US" dirty="0">
+                <a:solidFill>
+                  <a:srgbClr val="24292E"/>
+                </a:solidFill>
+                <a:latin typeface="-apple-system"/>
+              </a:rPr>
+              <a:t>，边代表</a:t>
+            </a:r>
+            <a:r>
+              <a:rPr lang="zh-CN" altLang="en-US" dirty="0">
+                <a:solidFill>
+                  <a:srgbClr val="24292E"/>
+                </a:solidFill>
+                <a:latin typeface="-apple-system"/>
+              </a:rPr>
+              <a:t>出租车的移动。</a:t>
+            </a:r>
+          </a:p>
+        </p:txBody>
+      </p:sp>
+      <p:pic>
+        <p:nvPicPr>
+          <p:cNvPr id="7" name="图片 6"/>
+          <p:cNvPicPr>
+            <a:picLocks noChangeAspect="1"/>
+          </p:cNvPicPr>
+          <p:nvPr/>
+        </p:nvPicPr>
+        <p:blipFill>
+          <a:blip r:embed="rId2">
+            <a:extLst>
+              <a:ext uri="{28A0092B-C50C-407E-A947-70E740481C1C}">
+                <a14:useLocalDpi xmlns:a14="http://schemas.microsoft.com/office/drawing/2010/main" val="0"/>
+              </a:ext>
+            </a:extLst>
+          </a:blip>
+          <a:stretch>
+            <a:fillRect/>
+          </a:stretch>
+        </p:blipFill>
+        <p:spPr>
+          <a:xfrm>
+            <a:off x="572589" y="2150515"/>
+            <a:ext cx="4556760" cy="3953659"/>
+          </a:xfrm>
+          <a:prstGeom prst="rect">
+            <a:avLst/>
+          </a:prstGeom>
+        </p:spPr>
+      </p:pic>
+      <p:pic>
+        <p:nvPicPr>
+          <p:cNvPr id="8" name="图片 7"/>
+          <p:cNvPicPr>
+            <a:picLocks noChangeAspect="1"/>
+          </p:cNvPicPr>
+          <p:nvPr/>
+        </p:nvPicPr>
+        <p:blipFill>
+          <a:blip r:embed="rId3">
+            <a:extLst>
+              <a:ext uri="{28A0092B-C50C-407E-A947-70E740481C1C}">
+                <a14:useLocalDpi xmlns:a14="http://schemas.microsoft.com/office/drawing/2010/main" val="0"/>
+              </a:ext>
+            </a:extLst>
+          </a:blip>
+          <a:stretch>
+            <a:fillRect/>
+          </a:stretch>
+        </p:blipFill>
+        <p:spPr>
+          <a:xfrm>
+            <a:off x="6556524" y="2013832"/>
+            <a:ext cx="4346608" cy="4387104"/>
+          </a:xfrm>
+          <a:prstGeom prst="rect">
+            <a:avLst/>
+          </a:prstGeom>
+        </p:spPr>
+      </p:pic>
+      <p:sp>
+        <p:nvSpPr>
+          <p:cNvPr id="9" name="矩形 8"/>
+          <p:cNvSpPr/>
+          <p:nvPr/>
+        </p:nvSpPr>
+        <p:spPr>
+          <a:xfrm>
+            <a:off x="572589" y="6400936"/>
+            <a:ext cx="9059091" cy="369332"/>
+          </a:xfrm>
+          <a:prstGeom prst="rect">
+            <a:avLst/>
+          </a:prstGeom>
+        </p:spPr>
+        <p:txBody>
+          <a:bodyPr wrap="square">
+            <a:spAutoFit/>
+          </a:bodyPr>
+          <a:lstStyle/>
+          <a:p>
+            <a:r>
+              <a:rPr lang="zh-CN" altLang="en-US" dirty="0"/>
+              <a:t>最终通过这个</a:t>
+            </a:r>
+            <a:r>
+              <a:rPr lang="en-US" altLang="zh-CN" dirty="0"/>
+              <a:t>graph</a:t>
+            </a:r>
+            <a:r>
+              <a:rPr lang="zh-CN" altLang="en-US" dirty="0"/>
+              <a:t>可以用来分析很多东西（比如哪两个区域的路规划的不好）</a:t>
+            </a:r>
           </a:p>
         </p:txBody>
       </p:sp>
@@ -4111,9 +5552,300 @@
   <p:timing>
     <p:tnLst>
       <p:par>
-        <p:cTn id="1" dur="indefinite" restart="never" nodeType="tmRoot"/>
+        <p:cTn id="1" dur="indefinite" restart="never" nodeType="tmRoot">
+          <p:childTnLst>
+            <p:seq concurrent="1" nextAc="seek">
+              <p:cTn id="2" dur="indefinite" nodeType="mainSeq">
+                <p:childTnLst>
+                  <p:par>
+                    <p:cTn id="3" fill="hold">
+                      <p:stCondLst>
+                        <p:cond delay="indefinite"/>
+                      </p:stCondLst>
+                      <p:childTnLst>
+                        <p:par>
+                          <p:cTn id="4" fill="hold">
+                            <p:stCondLst>
+                              <p:cond delay="0"/>
+                            </p:stCondLst>
+                            <p:childTnLst>
+                              <p:par>
+                                <p:cTn id="5" presetID="1" presetClass="entr" presetSubtype="0" fill="hold" grpId="0" nodeType="clickEffect">
+                                  <p:stCondLst>
+                                    <p:cond delay="0"/>
+                                  </p:stCondLst>
+                                  <p:childTnLst>
+                                    <p:set>
+                                      <p:cBhvr>
+                                        <p:cTn id="6" dur="1" fill="hold">
+                                          <p:stCondLst>
+                                            <p:cond delay="0"/>
+                                          </p:stCondLst>
+                                        </p:cTn>
+                                        <p:tgtEl>
+                                          <p:spTgt spid="5"/>
+                                        </p:tgtEl>
+                                        <p:attrNameLst>
+                                          <p:attrName>style.visibility</p:attrName>
+                                        </p:attrNameLst>
+                                      </p:cBhvr>
+                                      <p:to>
+                                        <p:strVal val="visible"/>
+                                      </p:to>
+                                    </p:set>
+                                  </p:childTnLst>
+                                </p:cTn>
+                              </p:par>
+                            </p:childTnLst>
+                          </p:cTn>
+                        </p:par>
+                      </p:childTnLst>
+                    </p:cTn>
+                  </p:par>
+                  <p:par>
+                    <p:cTn id="7" fill="hold">
+                      <p:stCondLst>
+                        <p:cond delay="indefinite"/>
+                      </p:stCondLst>
+                      <p:childTnLst>
+                        <p:par>
+                          <p:cTn id="8" fill="hold">
+                            <p:stCondLst>
+                              <p:cond delay="0"/>
+                            </p:stCondLst>
+                            <p:childTnLst>
+                              <p:par>
+                                <p:cTn id="9" presetID="1" presetClass="entr" presetSubtype="0" fill="hold" grpId="0" nodeType="clickEffect">
+                                  <p:stCondLst>
+                                    <p:cond delay="0"/>
+                                  </p:stCondLst>
+                                  <p:childTnLst>
+                                    <p:set>
+                                      <p:cBhvr>
+                                        <p:cTn id="10" dur="1" fill="hold">
+                                          <p:stCondLst>
+                                            <p:cond delay="0"/>
+                                          </p:stCondLst>
+                                        </p:cTn>
+                                        <p:tgtEl>
+                                          <p:spTgt spid="3"/>
+                                        </p:tgtEl>
+                                        <p:attrNameLst>
+                                          <p:attrName>style.visibility</p:attrName>
+                                        </p:attrNameLst>
+                                      </p:cBhvr>
+                                      <p:to>
+                                        <p:strVal val="visible"/>
+                                      </p:to>
+                                    </p:set>
+                                  </p:childTnLst>
+                                </p:cTn>
+                              </p:par>
+                              <p:par>
+                                <p:cTn id="11" presetID="1" presetClass="entr" presetSubtype="0" fill="hold" grpId="0" nodeType="withEffect">
+                                  <p:stCondLst>
+                                    <p:cond delay="0"/>
+                                  </p:stCondLst>
+                                  <p:childTnLst>
+                                    <p:set>
+                                      <p:cBhvr>
+                                        <p:cTn id="12" dur="1" fill="hold">
+                                          <p:stCondLst>
+                                            <p:cond delay="0"/>
+                                          </p:stCondLst>
+                                        </p:cTn>
+                                        <p:tgtEl>
+                                          <p:spTgt spid="4"/>
+                                        </p:tgtEl>
+                                        <p:attrNameLst>
+                                          <p:attrName>style.visibility</p:attrName>
+                                        </p:attrNameLst>
+                                      </p:cBhvr>
+                                      <p:to>
+                                        <p:strVal val="visible"/>
+                                      </p:to>
+                                    </p:set>
+                                  </p:childTnLst>
+                                </p:cTn>
+                              </p:par>
+                              <p:par>
+                                <p:cTn id="13" presetID="1" presetClass="entr" presetSubtype="0" fill="hold" nodeType="withEffect">
+                                  <p:stCondLst>
+                                    <p:cond delay="0"/>
+                                  </p:stCondLst>
+                                  <p:childTnLst>
+                                    <p:set>
+                                      <p:cBhvr>
+                                        <p:cTn id="14" dur="1" fill="hold">
+                                          <p:stCondLst>
+                                            <p:cond delay="0"/>
+                                          </p:stCondLst>
+                                        </p:cTn>
+                                        <p:tgtEl>
+                                          <p:spTgt spid="7"/>
+                                        </p:tgtEl>
+                                        <p:attrNameLst>
+                                          <p:attrName>style.visibility</p:attrName>
+                                        </p:attrNameLst>
+                                      </p:cBhvr>
+                                      <p:to>
+                                        <p:strVal val="visible"/>
+                                      </p:to>
+                                    </p:set>
+                                  </p:childTnLst>
+                                </p:cTn>
+                              </p:par>
+                            </p:childTnLst>
+                          </p:cTn>
+                        </p:par>
+                      </p:childTnLst>
+                    </p:cTn>
+                  </p:par>
+                  <p:par>
+                    <p:cTn id="15" fill="hold">
+                      <p:stCondLst>
+                        <p:cond delay="indefinite"/>
+                      </p:stCondLst>
+                      <p:childTnLst>
+                        <p:par>
+                          <p:cTn id="16" fill="hold">
+                            <p:stCondLst>
+                              <p:cond delay="0"/>
+                            </p:stCondLst>
+                            <p:childTnLst>
+                              <p:par>
+                                <p:cTn id="17" presetID="1" presetClass="entr" presetSubtype="0" fill="hold" grpId="0" nodeType="clickEffect">
+                                  <p:stCondLst>
+                                    <p:cond delay="0"/>
+                                  </p:stCondLst>
+                                  <p:childTnLst>
+                                    <p:set>
+                                      <p:cBhvr>
+                                        <p:cTn id="18" dur="1" fill="hold">
+                                          <p:stCondLst>
+                                            <p:cond delay="0"/>
+                                          </p:stCondLst>
+                                        </p:cTn>
+                                        <p:tgtEl>
+                                          <p:spTgt spid="6"/>
+                                        </p:tgtEl>
+                                        <p:attrNameLst>
+                                          <p:attrName>style.visibility</p:attrName>
+                                        </p:attrNameLst>
+                                      </p:cBhvr>
+                                      <p:to>
+                                        <p:strVal val="visible"/>
+                                      </p:to>
+                                    </p:set>
+                                  </p:childTnLst>
+                                </p:cTn>
+                              </p:par>
+                              <p:par>
+                                <p:cTn id="19" presetID="1" presetClass="entr" presetSubtype="0" fill="hold" nodeType="withEffect">
+                                  <p:stCondLst>
+                                    <p:cond delay="0"/>
+                                  </p:stCondLst>
+                                  <p:childTnLst>
+                                    <p:set>
+                                      <p:cBhvr>
+                                        <p:cTn id="20" dur="1" fill="hold">
+                                          <p:stCondLst>
+                                            <p:cond delay="0"/>
+                                          </p:stCondLst>
+                                        </p:cTn>
+                                        <p:tgtEl>
+                                          <p:spTgt spid="8"/>
+                                        </p:tgtEl>
+                                        <p:attrNameLst>
+                                          <p:attrName>style.visibility</p:attrName>
+                                        </p:attrNameLst>
+                                      </p:cBhvr>
+                                      <p:to>
+                                        <p:strVal val="visible"/>
+                                      </p:to>
+                                    </p:set>
+                                  </p:childTnLst>
+                                </p:cTn>
+                              </p:par>
+                            </p:childTnLst>
+                          </p:cTn>
+                        </p:par>
+                      </p:childTnLst>
+                    </p:cTn>
+                  </p:par>
+                  <p:par>
+                    <p:cTn id="21" fill="hold">
+                      <p:stCondLst>
+                        <p:cond delay="indefinite"/>
+                      </p:stCondLst>
+                      <p:childTnLst>
+                        <p:par>
+                          <p:cTn id="22" fill="hold">
+                            <p:stCondLst>
+                              <p:cond delay="0"/>
+                            </p:stCondLst>
+                            <p:childTnLst>
+                              <p:par>
+                                <p:cTn id="23" presetID="1" presetClass="entr" presetSubtype="0" fill="hold" grpId="0" nodeType="clickEffect">
+                                  <p:stCondLst>
+                                    <p:cond delay="0"/>
+                                  </p:stCondLst>
+                                  <p:childTnLst>
+                                    <p:set>
+                                      <p:cBhvr>
+                                        <p:cTn id="24" dur="1" fill="hold">
+                                          <p:stCondLst>
+                                            <p:cond delay="0"/>
+                                          </p:stCondLst>
+                                        </p:cTn>
+                                        <p:tgtEl>
+                                          <p:spTgt spid="9"/>
+                                        </p:tgtEl>
+                                        <p:attrNameLst>
+                                          <p:attrName>style.visibility</p:attrName>
+                                        </p:attrNameLst>
+                                      </p:cBhvr>
+                                      <p:to>
+                                        <p:strVal val="visible"/>
+                                      </p:to>
+                                    </p:set>
+                                  </p:childTnLst>
+                                </p:cTn>
+                              </p:par>
+                            </p:childTnLst>
+                          </p:cTn>
+                        </p:par>
+                      </p:childTnLst>
+                    </p:cTn>
+                  </p:par>
+                </p:childTnLst>
+              </p:cTn>
+              <p:prevCondLst>
+                <p:cond evt="onPrev" delay="0">
+                  <p:tgtEl>
+                    <p:sldTgt/>
+                  </p:tgtEl>
+                </p:cond>
+              </p:prevCondLst>
+              <p:nextCondLst>
+                <p:cond evt="onNext" delay="0">
+                  <p:tgtEl>
+                    <p:sldTgt/>
+                  </p:tgtEl>
+                </p:cond>
+              </p:nextCondLst>
+            </p:seq>
+          </p:childTnLst>
+        </p:cTn>
       </p:par>
     </p:tnLst>
+    <p:bldLst>
+      <p:bldP spid="3" grpId="0"/>
+      <p:bldP spid="4" grpId="0"/>
+      <p:bldP spid="5" grpId="0"/>
+      <p:bldP spid="6" grpId="0"/>
+      <p:bldP spid="9" grpId="0"/>
+    </p:bldLst>
   </p:timing>
 </p:sld>
 </file>
@@ -4165,6 +5897,204 @@
           </a:p>
         </p:txBody>
       </p:sp>
+      <p:sp>
+        <p:nvSpPr>
+          <p:cNvPr id="3" name="矩形 2"/>
+          <p:cNvSpPr/>
+          <p:nvPr/>
+        </p:nvSpPr>
+        <p:spPr>
+          <a:xfrm>
+            <a:off x="426720" y="884311"/>
+            <a:ext cx="3198311" cy="369332"/>
+          </a:xfrm>
+          <a:prstGeom prst="rect">
+            <a:avLst/>
+          </a:prstGeom>
+        </p:spPr>
+        <p:txBody>
+          <a:bodyPr wrap="none">
+            <a:spAutoFit/>
+          </a:bodyPr>
+          <a:lstStyle/>
+          <a:p>
+            <a:r>
+              <a:rPr lang="zh-CN" altLang="en-US" dirty="0"/>
+              <a:t>例子</a:t>
+            </a:r>
+            <a:r>
+              <a:rPr lang="en-US" altLang="zh-CN" dirty="0"/>
+              <a:t>2</a:t>
+            </a:r>
+            <a:r>
+              <a:rPr lang="zh-CN" altLang="en-US" dirty="0"/>
+              <a:t>（用户轨迹和</a:t>
+            </a:r>
+            <a:r>
+              <a:rPr lang="en-US" altLang="zh-CN" dirty="0"/>
+              <a:t>POI</a:t>
+            </a:r>
+            <a:r>
+              <a:rPr lang="zh-CN" altLang="en-US" dirty="0"/>
+              <a:t>数据）</a:t>
+            </a:r>
+          </a:p>
+        </p:txBody>
+      </p:sp>
+      <p:sp>
+        <p:nvSpPr>
+          <p:cNvPr id="4" name="矩形 3"/>
+          <p:cNvSpPr/>
+          <p:nvPr/>
+        </p:nvSpPr>
+        <p:spPr>
+          <a:xfrm>
+            <a:off x="426720" y="1406323"/>
+            <a:ext cx="4258602" cy="369332"/>
+          </a:xfrm>
+          <a:prstGeom prst="rect">
+            <a:avLst/>
+          </a:prstGeom>
+        </p:spPr>
+        <p:txBody>
+          <a:bodyPr wrap="none">
+            <a:spAutoFit/>
+          </a:bodyPr>
+          <a:lstStyle/>
+          <a:p>
+            <a:r>
+              <a:rPr lang="en-US" altLang="zh-CN" dirty="0"/>
+              <a:t>stage1</a:t>
+            </a:r>
+            <a:r>
+              <a:rPr lang="zh-CN" altLang="en-US" dirty="0"/>
+              <a:t>：通过轨迹数据获取用户的驻留点</a:t>
+            </a:r>
+          </a:p>
+        </p:txBody>
+      </p:sp>
+      <p:sp>
+        <p:nvSpPr>
+          <p:cNvPr id="5" name="矩形 4"/>
+          <p:cNvSpPr/>
+          <p:nvPr/>
+        </p:nvSpPr>
+        <p:spPr>
+          <a:xfrm>
+            <a:off x="426720" y="2357735"/>
+            <a:ext cx="6096000" cy="646331"/>
+          </a:xfrm>
+          <a:prstGeom prst="rect">
+            <a:avLst/>
+          </a:prstGeom>
+        </p:spPr>
+        <p:txBody>
+          <a:bodyPr>
+            <a:spAutoFit/>
+          </a:bodyPr>
+          <a:lstStyle/>
+          <a:p>
+            <a:r>
+              <a:rPr lang="en-US" altLang="zh-CN" dirty="0"/>
+              <a:t>stage2</a:t>
+            </a:r>
+            <a:r>
+              <a:rPr lang="zh-CN" altLang="en-US" dirty="0"/>
+              <a:t>：通过驻留点的</a:t>
+            </a:r>
+            <a:r>
+              <a:rPr lang="en-US" altLang="zh-CN" dirty="0"/>
+              <a:t>POI</a:t>
+            </a:r>
+            <a:r>
+              <a:rPr lang="zh-CN" altLang="en-US" dirty="0"/>
+              <a:t>数据，将驻留点描述成一个向量，将向量进行层次聚类</a:t>
+            </a:r>
+            <a:r>
+              <a:rPr lang="zh-CN" altLang="en-US" dirty="0" smtClean="0"/>
+              <a:t>，得到</a:t>
+            </a:r>
+            <a:r>
+              <a:rPr lang="zh-CN" altLang="en-US" dirty="0"/>
+              <a:t>一个树状的结构</a:t>
+            </a:r>
+          </a:p>
+        </p:txBody>
+      </p:sp>
+      <p:sp>
+        <p:nvSpPr>
+          <p:cNvPr id="6" name="矩形 5"/>
+          <p:cNvSpPr/>
+          <p:nvPr/>
+        </p:nvSpPr>
+        <p:spPr>
+          <a:xfrm>
+            <a:off x="426720" y="3586146"/>
+            <a:ext cx="6096000" cy="923330"/>
+          </a:xfrm>
+          <a:prstGeom prst="rect">
+            <a:avLst/>
+          </a:prstGeom>
+        </p:spPr>
+        <p:txBody>
+          <a:bodyPr>
+            <a:spAutoFit/>
+          </a:bodyPr>
+          <a:lstStyle/>
+          <a:p>
+            <a:r>
+              <a:rPr lang="en-US" altLang="zh-CN" dirty="0"/>
+              <a:t>stage3</a:t>
+            </a:r>
+            <a:r>
+              <a:rPr lang="zh-CN" altLang="en-US" dirty="0"/>
+              <a:t>：由于不同用户的轨迹最终变成了驻留点向量，在不同的树形结构的不同</a:t>
+            </a:r>
+            <a:r>
+              <a:rPr lang="en-US" altLang="zh-CN" dirty="0" smtClean="0"/>
+              <a:t>layer</a:t>
+            </a:r>
+            <a:r>
+              <a:rPr lang="zh-CN" altLang="en-US" dirty="0" smtClean="0"/>
+              <a:t>有</a:t>
+            </a:r>
+            <a:r>
+              <a:rPr lang="zh-CN" altLang="en-US" dirty="0"/>
+              <a:t>不同的图结构。可以通过这个比较用户间的相似度</a:t>
+            </a:r>
+          </a:p>
+        </p:txBody>
+      </p:sp>
+      <p:pic>
+        <p:nvPicPr>
+          <p:cNvPr id="7" name="图片 6"/>
+          <p:cNvPicPr>
+            <a:picLocks noChangeAspect="1"/>
+          </p:cNvPicPr>
+          <p:nvPr/>
+        </p:nvPicPr>
+        <p:blipFill>
+          <a:blip r:embed="rId2">
+            <a:extLst>
+              <a:ext uri="{28A0092B-C50C-407E-A947-70E740481C1C}">
+                <a14:useLocalDpi xmlns:a14="http://schemas.microsoft.com/office/drawing/2010/main" val="0"/>
+              </a:ext>
+            </a:extLst>
+          </a:blip>
+          <a:stretch>
+            <a:fillRect/>
+          </a:stretch>
+        </p:blipFill>
+        <p:spPr>
+          <a:xfrm>
+            <a:off x="6522720" y="422756"/>
+            <a:ext cx="5595907" cy="5886604"/>
+          </a:xfrm>
+          <a:prstGeom prst="rect">
+            <a:avLst/>
+          </a:prstGeom>
+        </p:spPr>
+      </p:pic>
     </p:spTree>
     <p:extLst>
       <p:ext uri="{BB962C8B-B14F-4D97-AF65-F5344CB8AC3E}">
@@ -4202,6 +6132,240 @@
           <a:chExt cx="0" cy="0"/>
         </a:xfrm>
       </p:grpSpPr>
+      <p:sp>
+        <p:nvSpPr>
+          <p:cNvPr id="3" name="文本框 2"/>
+          <p:cNvSpPr txBox="1"/>
+          <p:nvPr/>
+        </p:nvSpPr>
+        <p:spPr>
+          <a:xfrm>
+            <a:off x="174165" y="269966"/>
+            <a:ext cx="5988371" cy="461665"/>
+          </a:xfrm>
+          <a:prstGeom prst="rect">
+            <a:avLst/>
+          </a:prstGeom>
+          <a:noFill/>
+        </p:spPr>
+        <p:txBody>
+          <a:bodyPr wrap="none" rtlCol="0">
+            <a:spAutoFit/>
+          </a:bodyPr>
+          <a:lstStyle/>
+          <a:p>
+            <a:r>
+              <a:rPr lang="en-US" altLang="zh-CN" sz="2400" b="1" smtClean="0"/>
+              <a:t>FEATURE-LEVEL BASED - Direct Concatenation</a:t>
+            </a:r>
+            <a:endParaRPr lang="zh-CN" altLang="en-US" sz="2400" b="1" dirty="0"/>
+          </a:p>
+        </p:txBody>
+      </p:sp>
+      <p:sp>
+        <p:nvSpPr>
+          <p:cNvPr id="4" name="矩形 3"/>
+          <p:cNvSpPr/>
+          <p:nvPr/>
+        </p:nvSpPr>
+        <p:spPr>
+          <a:xfrm>
+            <a:off x="104495" y="731631"/>
+            <a:ext cx="6418217" cy="646331"/>
+          </a:xfrm>
+          <a:prstGeom prst="rect">
+            <a:avLst/>
+          </a:prstGeom>
+        </p:spPr>
+        <p:txBody>
+          <a:bodyPr wrap="square">
+            <a:spAutoFit/>
+          </a:bodyPr>
+          <a:lstStyle/>
+          <a:p>
+            <a:r>
+              <a:rPr lang="zh-CN" altLang="en-US" dirty="0"/>
+              <a:t>即将两个从数据集中提取出的特征向量直接拼接在一起</a:t>
+            </a:r>
+            <a:r>
+              <a:rPr lang="zh-CN" altLang="en-US" dirty="0" smtClean="0"/>
+              <a:t>。</a:t>
+            </a:r>
+            <a:r>
+              <a:rPr lang="zh-CN" altLang="en-US" dirty="0"/>
+              <a:t/>
+            </a:r>
+            <a:br>
+              <a:rPr lang="zh-CN" altLang="en-US" dirty="0"/>
+            </a:br>
+            <a:r>
+              <a:rPr lang="zh-CN" altLang="en-US" dirty="0"/>
+              <a:t>缺点：容易过拟合，忽略了特征之间的非线性关系和相关性。</a:t>
+            </a:r>
+          </a:p>
+        </p:txBody>
+      </p:sp>
+      <p:sp>
+        <p:nvSpPr>
+          <p:cNvPr id="5" name="文本框 4"/>
+          <p:cNvSpPr txBox="1"/>
+          <p:nvPr/>
+        </p:nvSpPr>
+        <p:spPr>
+          <a:xfrm>
+            <a:off x="104495" y="1537061"/>
+            <a:ext cx="6332311" cy="461665"/>
+          </a:xfrm>
+          <a:prstGeom prst="rect">
+            <a:avLst/>
+          </a:prstGeom>
+          <a:noFill/>
+        </p:spPr>
+        <p:txBody>
+          <a:bodyPr wrap="none" rtlCol="0">
+            <a:spAutoFit/>
+          </a:bodyPr>
+          <a:lstStyle/>
+          <a:p>
+            <a:r>
+              <a:rPr lang="en-US" altLang="zh-CN" sz="2400" b="1" dirty="0" smtClean="0"/>
+              <a:t>FEATURE-LEVEL BASED </a:t>
+            </a:r>
+            <a:r>
+              <a:rPr lang="en-US" altLang="zh-CN" sz="2400" b="1" dirty="0"/>
+              <a:t>- DNN-Based Data Fusion</a:t>
+            </a:r>
+            <a:endParaRPr lang="zh-CN" altLang="en-US" sz="2400" b="1" dirty="0"/>
+          </a:p>
+        </p:txBody>
+      </p:sp>
+      <p:sp>
+        <p:nvSpPr>
+          <p:cNvPr id="6" name="矩形 5"/>
+          <p:cNvSpPr/>
+          <p:nvPr/>
+        </p:nvSpPr>
+        <p:spPr>
+          <a:xfrm>
+            <a:off x="265603" y="2083249"/>
+            <a:ext cx="6096000" cy="1477328"/>
+          </a:xfrm>
+          <a:prstGeom prst="rect">
+            <a:avLst/>
+          </a:prstGeom>
+        </p:spPr>
+        <p:txBody>
+          <a:bodyPr>
+            <a:spAutoFit/>
+          </a:bodyPr>
+          <a:lstStyle/>
+          <a:p>
+            <a:r>
+              <a:rPr lang="zh-CN" altLang="en-US" dirty="0"/>
+              <a:t>蓝色表示最终融合出来的</a:t>
+            </a:r>
+            <a:r>
+              <a:rPr lang="zh-CN" altLang="en-US" dirty="0" smtClean="0"/>
+              <a:t>特征</a:t>
+            </a:r>
+            <a:r>
+              <a:rPr lang="zh-CN" altLang="en-US" dirty="0"/>
+              <a:t/>
+            </a:r>
+            <a:br>
+              <a:rPr lang="zh-CN" altLang="en-US" dirty="0"/>
+            </a:br>
+            <a:r>
+              <a:rPr lang="en-US" altLang="zh-CN" dirty="0" smtClean="0"/>
+              <a:t>B</a:t>
+            </a:r>
+            <a:r>
+              <a:rPr lang="zh-CN" altLang="en-US" dirty="0" smtClean="0"/>
+              <a:t>：</a:t>
+            </a:r>
+            <a:r>
+              <a:rPr lang="zh-CN" altLang="en-US" dirty="0"/>
+              <a:t>用视频重建音频和</a:t>
+            </a:r>
+            <a:r>
+              <a:rPr lang="zh-CN" altLang="en-US" dirty="0" smtClean="0"/>
+              <a:t>视频</a:t>
+            </a:r>
+            <a:r>
+              <a:rPr lang="zh-CN" altLang="en-US" dirty="0"/>
+              <a:t/>
+            </a:r>
+            <a:br>
+              <a:rPr lang="zh-CN" altLang="en-US" dirty="0"/>
+            </a:br>
+            <a:r>
+              <a:rPr lang="en-US" altLang="zh-CN" dirty="0" smtClean="0"/>
+              <a:t>C</a:t>
+            </a:r>
+            <a:r>
+              <a:rPr lang="zh-CN" altLang="en-US" dirty="0" smtClean="0"/>
+              <a:t>：</a:t>
+            </a:r>
+            <a:r>
+              <a:rPr lang="zh-CN" altLang="en-US" dirty="0"/>
+              <a:t>用视频和音频一起重建视频和</a:t>
+            </a:r>
+            <a:r>
+              <a:rPr lang="zh-CN" altLang="en-US" dirty="0" smtClean="0"/>
+              <a:t>音频</a:t>
+            </a:r>
+            <a:r>
+              <a:rPr lang="zh-CN" altLang="en-US" dirty="0"/>
+              <a:t/>
+            </a:r>
+            <a:br>
+              <a:rPr lang="zh-CN" altLang="en-US" dirty="0"/>
+            </a:br>
+            <a:r>
+              <a:rPr lang="en-US" altLang="zh-CN" dirty="0" smtClean="0"/>
+              <a:t>D</a:t>
+            </a:r>
+            <a:r>
+              <a:rPr lang="zh-CN" altLang="en-US" dirty="0" smtClean="0"/>
+              <a:t>：</a:t>
+            </a:r>
+            <a:r>
+              <a:rPr lang="zh-CN" altLang="en-US" dirty="0"/>
+              <a:t>双向的，一个是用文本重建图像，一个是用图像重建文本</a:t>
+            </a:r>
+          </a:p>
+        </p:txBody>
+      </p:sp>
+      <p:pic>
+        <p:nvPicPr>
+          <p:cNvPr id="7" name="图片 6"/>
+          <p:cNvPicPr>
+            <a:picLocks noChangeAspect="1"/>
+          </p:cNvPicPr>
+          <p:nvPr/>
+        </p:nvPicPr>
+        <p:blipFill>
+          <a:blip r:embed="rId2">
+            <a:extLst>
+              <a:ext uri="{28A0092B-C50C-407E-A947-70E740481C1C}">
+                <a14:useLocalDpi xmlns:a14="http://schemas.microsoft.com/office/drawing/2010/main" val="0"/>
+              </a:ext>
+            </a:extLst>
+          </a:blip>
+          <a:stretch>
+            <a:fillRect/>
+          </a:stretch>
+        </p:blipFill>
+        <p:spPr>
+          <a:xfrm>
+            <a:off x="0" y="3707001"/>
+            <a:ext cx="10058400" cy="2975521"/>
+          </a:xfrm>
+          <a:prstGeom prst="rect">
+            <a:avLst/>
+          </a:prstGeom>
+        </p:spPr>
+      </p:pic>
     </p:spTree>
     <p:extLst>
       <p:ext uri="{BB962C8B-B14F-4D97-AF65-F5344CB8AC3E}">
@@ -4239,6 +6403,526 @@
           <a:chExt cx="0" cy="0"/>
         </a:xfrm>
       </p:grpSpPr>
+      <p:sp>
+        <p:nvSpPr>
+          <p:cNvPr id="2" name="矩形 1"/>
+          <p:cNvSpPr/>
+          <p:nvPr/>
+        </p:nvSpPr>
+        <p:spPr>
+          <a:xfrm>
+            <a:off x="370036" y="222460"/>
+            <a:ext cx="3829510" cy="461665"/>
+          </a:xfrm>
+          <a:prstGeom prst="rect">
+            <a:avLst/>
+          </a:prstGeom>
+        </p:spPr>
+        <p:txBody>
+          <a:bodyPr wrap="none">
+            <a:spAutoFit/>
+          </a:bodyPr>
+          <a:lstStyle/>
+          <a:p>
+            <a:r>
+              <a:rPr lang="en-US" altLang="zh-CN" sz="2400" b="1" dirty="0"/>
+              <a:t>SEMANTIC MEANING-BASED</a:t>
+            </a:r>
+            <a:endParaRPr lang="zh-CN" altLang="en-US" sz="2400" dirty="0"/>
+          </a:p>
+        </p:txBody>
+      </p:sp>
+      <p:sp>
+        <p:nvSpPr>
+          <p:cNvPr id="4" name="矩形 3"/>
+          <p:cNvSpPr/>
+          <p:nvPr/>
+        </p:nvSpPr>
+        <p:spPr>
+          <a:xfrm>
+            <a:off x="150060" y="3290054"/>
+            <a:ext cx="2917530" cy="369332"/>
+          </a:xfrm>
+          <a:prstGeom prst="rect">
+            <a:avLst/>
+          </a:prstGeom>
+        </p:spPr>
+        <p:txBody>
+          <a:bodyPr wrap="none">
+            <a:spAutoFit/>
+          </a:bodyPr>
+          <a:lstStyle/>
+          <a:p>
+            <a:r>
+              <a:rPr lang="en-US" altLang="zh-CN" b="1" dirty="0"/>
+              <a:t>SEMANTIC MEANING-BASED</a:t>
+            </a:r>
+            <a:endParaRPr lang="zh-CN" altLang="en-US" dirty="0"/>
+          </a:p>
+        </p:txBody>
+      </p:sp>
+      <p:sp>
+        <p:nvSpPr>
+          <p:cNvPr id="5" name="左大括号 4"/>
+          <p:cNvSpPr/>
+          <p:nvPr/>
+        </p:nvSpPr>
+        <p:spPr>
+          <a:xfrm>
+            <a:off x="3135086" y="975360"/>
+            <a:ext cx="583474" cy="4998720"/>
+          </a:xfrm>
+          <a:prstGeom prst="leftBrace">
+            <a:avLst/>
+          </a:prstGeom>
+        </p:spPr>
+        <p:style>
+          <a:lnRef idx="1">
+            <a:schemeClr val="accent1"/>
+          </a:lnRef>
+          <a:fillRef idx="0">
+            <a:schemeClr val="accent1"/>
+          </a:fillRef>
+          <a:effectRef idx="0">
+            <a:schemeClr val="accent1"/>
+          </a:effectRef>
+          <a:fontRef idx="minor">
+            <a:schemeClr val="tx1"/>
+          </a:fontRef>
+        </p:style>
+        <p:txBody>
+          <a:bodyPr rtlCol="0" anchor="ctr"/>
+          <a:lstStyle/>
+          <a:p>
+            <a:pPr algn="ctr"/>
+            <a:endParaRPr lang="zh-CN" altLang="en-US"/>
+          </a:p>
+        </p:txBody>
+      </p:sp>
+      <p:sp>
+        <p:nvSpPr>
+          <p:cNvPr id="6" name="矩形 5"/>
+          <p:cNvSpPr/>
+          <p:nvPr/>
+        </p:nvSpPr>
+        <p:spPr>
+          <a:xfrm>
+            <a:off x="3786056" y="790694"/>
+            <a:ext cx="1836208" cy="369332"/>
+          </a:xfrm>
+          <a:prstGeom prst="rect">
+            <a:avLst/>
+          </a:prstGeom>
+        </p:spPr>
+        <p:txBody>
+          <a:bodyPr wrap="none">
+            <a:spAutoFit/>
+          </a:bodyPr>
+          <a:lstStyle/>
+          <a:p>
+            <a:r>
+              <a:rPr lang="zh-CN" altLang="en-US" dirty="0"/>
+              <a:t>Multi-View Based</a:t>
+            </a:r>
+          </a:p>
+        </p:txBody>
+      </p:sp>
+      <p:sp>
+        <p:nvSpPr>
+          <p:cNvPr id="7" name="矩形 6"/>
+          <p:cNvSpPr/>
+          <p:nvPr/>
+        </p:nvSpPr>
+        <p:spPr>
+          <a:xfrm>
+            <a:off x="3786056" y="2514267"/>
+            <a:ext cx="1691489" cy="369332"/>
+          </a:xfrm>
+          <a:prstGeom prst="rect">
+            <a:avLst/>
+          </a:prstGeom>
+        </p:spPr>
+        <p:txBody>
+          <a:bodyPr wrap="none">
+            <a:spAutoFit/>
+          </a:bodyPr>
+          <a:lstStyle/>
+          <a:p>
+            <a:r>
+              <a:rPr lang="zh-CN" altLang="en-US" dirty="0"/>
+              <a:t>Similarity-Based</a:t>
+            </a:r>
+          </a:p>
+        </p:txBody>
+      </p:sp>
+      <p:sp>
+        <p:nvSpPr>
+          <p:cNvPr id="8" name="矩形 7"/>
+          <p:cNvSpPr/>
+          <p:nvPr/>
+        </p:nvSpPr>
+        <p:spPr>
+          <a:xfrm>
+            <a:off x="3718560" y="4054231"/>
+            <a:ext cx="3193631" cy="369332"/>
+          </a:xfrm>
+          <a:prstGeom prst="rect">
+            <a:avLst/>
+          </a:prstGeom>
+        </p:spPr>
+        <p:txBody>
+          <a:bodyPr wrap="none">
+            <a:spAutoFit/>
+          </a:bodyPr>
+          <a:lstStyle/>
+          <a:p>
+            <a:r>
+              <a:rPr lang="zh-CN" altLang="en-US" dirty="0"/>
+              <a:t>Probabilistic Dependency-Based</a:t>
+            </a:r>
+          </a:p>
+        </p:txBody>
+      </p:sp>
+      <p:sp>
+        <p:nvSpPr>
+          <p:cNvPr id="9" name="矩形 8"/>
+          <p:cNvSpPr/>
+          <p:nvPr/>
+        </p:nvSpPr>
+        <p:spPr>
+          <a:xfrm>
+            <a:off x="3786056" y="5743694"/>
+            <a:ext cx="2434000" cy="369332"/>
+          </a:xfrm>
+          <a:prstGeom prst="rect">
+            <a:avLst/>
+          </a:prstGeom>
+        </p:spPr>
+        <p:txBody>
+          <a:bodyPr wrap="none">
+            <a:spAutoFit/>
+          </a:bodyPr>
+          <a:lstStyle/>
+          <a:p>
+            <a:r>
+              <a:rPr lang="zh-CN" altLang="en-US" dirty="0"/>
+              <a:t>Transfer Learning-Based</a:t>
+            </a:r>
+          </a:p>
+        </p:txBody>
+      </p:sp>
+      <p:sp>
+        <p:nvSpPr>
+          <p:cNvPr id="10" name="左大括号 9"/>
+          <p:cNvSpPr/>
+          <p:nvPr/>
+        </p:nvSpPr>
+        <p:spPr>
+          <a:xfrm>
+            <a:off x="5689760" y="307815"/>
+            <a:ext cx="278674" cy="1402080"/>
+          </a:xfrm>
+          <a:prstGeom prst="leftBrace">
+            <a:avLst/>
+          </a:prstGeom>
+        </p:spPr>
+        <p:style>
+          <a:lnRef idx="1">
+            <a:schemeClr val="accent1"/>
+          </a:lnRef>
+          <a:fillRef idx="0">
+            <a:schemeClr val="accent1"/>
+          </a:fillRef>
+          <a:effectRef idx="0">
+            <a:schemeClr val="accent1"/>
+          </a:effectRef>
+          <a:fontRef idx="minor">
+            <a:schemeClr val="tx1"/>
+          </a:fontRef>
+        </p:style>
+        <p:txBody>
+          <a:bodyPr rtlCol="0" anchor="ctr"/>
+          <a:lstStyle/>
+          <a:p>
+            <a:pPr algn="ctr"/>
+            <a:endParaRPr lang="zh-CN" altLang="en-US"/>
+          </a:p>
+        </p:txBody>
+      </p:sp>
+      <p:sp>
+        <p:nvSpPr>
+          <p:cNvPr id="11" name="矩形 10"/>
+          <p:cNvSpPr/>
+          <p:nvPr/>
+        </p:nvSpPr>
+        <p:spPr>
+          <a:xfrm>
+            <a:off x="6035930" y="123149"/>
+            <a:ext cx="1242841" cy="369332"/>
+          </a:xfrm>
+          <a:prstGeom prst="rect">
+            <a:avLst/>
+          </a:prstGeom>
+        </p:spPr>
+        <p:txBody>
+          <a:bodyPr wrap="none">
+            <a:spAutoFit/>
+          </a:bodyPr>
+          <a:lstStyle/>
+          <a:p>
+            <a:r>
+              <a:rPr lang="zh-CN" altLang="en-US" smtClean="0"/>
+              <a:t>Co-Training</a:t>
+            </a:r>
+            <a:endParaRPr lang="zh-CN" altLang="en-US" dirty="0"/>
+          </a:p>
+        </p:txBody>
+      </p:sp>
+      <p:sp>
+        <p:nvSpPr>
+          <p:cNvPr id="12" name="矩形 11"/>
+          <p:cNvSpPr/>
+          <p:nvPr/>
+        </p:nvSpPr>
+        <p:spPr>
+          <a:xfrm>
+            <a:off x="6035930" y="802403"/>
+            <a:ext cx="2221121" cy="369332"/>
+          </a:xfrm>
+          <a:prstGeom prst="rect">
+            <a:avLst/>
+          </a:prstGeom>
+        </p:spPr>
+        <p:txBody>
+          <a:bodyPr wrap="none">
+            <a:spAutoFit/>
+          </a:bodyPr>
+          <a:lstStyle/>
+          <a:p>
+            <a:r>
+              <a:rPr lang="zh-CN" altLang="en-US" dirty="0"/>
+              <a:t>Multi-Kernel Learning</a:t>
+            </a:r>
+          </a:p>
+        </p:txBody>
+      </p:sp>
+      <p:sp>
+        <p:nvSpPr>
+          <p:cNvPr id="13" name="矩形 12"/>
+          <p:cNvSpPr/>
+          <p:nvPr/>
+        </p:nvSpPr>
+        <p:spPr>
+          <a:xfrm>
+            <a:off x="6035930" y="1481658"/>
+            <a:ext cx="1930785" cy="369332"/>
+          </a:xfrm>
+          <a:prstGeom prst="rect">
+            <a:avLst/>
+          </a:prstGeom>
+        </p:spPr>
+        <p:txBody>
+          <a:bodyPr wrap="none">
+            <a:spAutoFit/>
+          </a:bodyPr>
+          <a:lstStyle/>
+          <a:p>
+            <a:r>
+              <a:rPr lang="zh-CN" altLang="en-US" dirty="0"/>
+              <a:t>Subspace Learning</a:t>
+            </a:r>
+          </a:p>
+        </p:txBody>
+      </p:sp>
+      <p:sp>
+        <p:nvSpPr>
+          <p:cNvPr id="14" name="左大括号 13"/>
+          <p:cNvSpPr/>
+          <p:nvPr/>
+        </p:nvSpPr>
+        <p:spPr>
+          <a:xfrm>
+            <a:off x="5689760" y="2175859"/>
+            <a:ext cx="278674" cy="1199606"/>
+          </a:xfrm>
+          <a:prstGeom prst="leftBrace">
+            <a:avLst/>
+          </a:prstGeom>
+        </p:spPr>
+        <p:style>
+          <a:lnRef idx="1">
+            <a:schemeClr val="accent1"/>
+          </a:lnRef>
+          <a:fillRef idx="0">
+            <a:schemeClr val="accent1"/>
+          </a:fillRef>
+          <a:effectRef idx="0">
+            <a:schemeClr val="accent1"/>
+          </a:effectRef>
+          <a:fontRef idx="minor">
+            <a:schemeClr val="tx1"/>
+          </a:fontRef>
+        </p:style>
+        <p:txBody>
+          <a:bodyPr rtlCol="0" anchor="ctr"/>
+          <a:lstStyle/>
+          <a:p>
+            <a:pPr algn="ctr"/>
+            <a:endParaRPr lang="zh-CN" altLang="en-US"/>
+          </a:p>
+        </p:txBody>
+      </p:sp>
+      <p:sp>
+        <p:nvSpPr>
+          <p:cNvPr id="15" name="矩形 14"/>
+          <p:cNvSpPr/>
+          <p:nvPr/>
+        </p:nvSpPr>
+        <p:spPr>
+          <a:xfrm>
+            <a:off x="6005097" y="2019329"/>
+            <a:ext cx="2891625" cy="369332"/>
+          </a:xfrm>
+          <a:prstGeom prst="rect">
+            <a:avLst/>
+          </a:prstGeom>
+        </p:spPr>
+        <p:txBody>
+          <a:bodyPr wrap="none">
+            <a:spAutoFit/>
+          </a:bodyPr>
+          <a:lstStyle/>
+          <a:p>
+            <a:r>
+              <a:rPr lang="zh-CN" altLang="en-US" dirty="0"/>
+              <a:t>Coupled Matrix Factorization</a:t>
+            </a:r>
+          </a:p>
+        </p:txBody>
+      </p:sp>
+      <p:sp>
+        <p:nvSpPr>
+          <p:cNvPr id="16" name="矩形 15"/>
+          <p:cNvSpPr/>
+          <p:nvPr/>
+        </p:nvSpPr>
+        <p:spPr>
+          <a:xfrm>
+            <a:off x="6092183" y="3084637"/>
+            <a:ext cx="2048381" cy="369332"/>
+          </a:xfrm>
+          <a:prstGeom prst="rect">
+            <a:avLst/>
+          </a:prstGeom>
+        </p:spPr>
+        <p:txBody>
+          <a:bodyPr wrap="none">
+            <a:spAutoFit/>
+          </a:bodyPr>
+          <a:lstStyle/>
+          <a:p>
+            <a:r>
+              <a:rPr lang="zh-CN" altLang="en-US" dirty="0"/>
+              <a:t>Manifold Alignment</a:t>
+            </a:r>
+          </a:p>
+        </p:txBody>
+      </p:sp>
+      <p:sp>
+        <p:nvSpPr>
+          <p:cNvPr id="17" name="矩形 16"/>
+          <p:cNvSpPr/>
+          <p:nvPr/>
+        </p:nvSpPr>
+        <p:spPr>
+          <a:xfrm>
+            <a:off x="6722648" y="6321657"/>
+            <a:ext cx="4205575" cy="369332"/>
+          </a:xfrm>
+          <a:prstGeom prst="rect">
+            <a:avLst/>
+          </a:prstGeom>
+        </p:spPr>
+        <p:txBody>
+          <a:bodyPr wrap="none">
+            <a:spAutoFit/>
+          </a:bodyPr>
+          <a:lstStyle/>
+          <a:p>
+            <a:r>
+              <a:rPr lang="zh-CN" altLang="en-US" dirty="0" smtClean="0"/>
+              <a:t>Transfer Learning among Multiple Datasets</a:t>
+            </a:r>
+            <a:endParaRPr lang="zh-CN" altLang="en-US" dirty="0"/>
+          </a:p>
+        </p:txBody>
+      </p:sp>
+      <p:sp>
+        <p:nvSpPr>
+          <p:cNvPr id="18" name="矩形 17"/>
+          <p:cNvSpPr/>
+          <p:nvPr/>
+        </p:nvSpPr>
+        <p:spPr>
+          <a:xfrm>
+            <a:off x="6722648" y="5130996"/>
+            <a:ext cx="4356962" cy="369332"/>
+          </a:xfrm>
+          <a:prstGeom prst="rect">
+            <a:avLst/>
+          </a:prstGeom>
+        </p:spPr>
+        <p:txBody>
+          <a:bodyPr wrap="none">
+            <a:spAutoFit/>
+          </a:bodyPr>
+          <a:lstStyle/>
+          <a:p>
+            <a:r>
+              <a:rPr lang="zh-CN" altLang="en-US" dirty="0"/>
+              <a:t>Transfer between the Same Type of Datasets</a:t>
+            </a:r>
+          </a:p>
+        </p:txBody>
+      </p:sp>
+      <p:sp>
+        <p:nvSpPr>
+          <p:cNvPr id="19" name="左大括号 18"/>
+          <p:cNvSpPr/>
+          <p:nvPr/>
+        </p:nvSpPr>
+        <p:spPr>
+          <a:xfrm>
+            <a:off x="6332015" y="5332843"/>
+            <a:ext cx="278674" cy="1199606"/>
+          </a:xfrm>
+          <a:prstGeom prst="leftBrace">
+            <a:avLst/>
+          </a:prstGeom>
+        </p:spPr>
+        <p:style>
+          <a:lnRef idx="1">
+            <a:schemeClr val="accent1"/>
+          </a:lnRef>
+          <a:fillRef idx="0">
+            <a:schemeClr val="accent1"/>
+          </a:fillRef>
+          <a:effectRef idx="0">
+            <a:schemeClr val="accent1"/>
+          </a:effectRef>
+          <a:fontRef idx="minor">
+            <a:schemeClr val="tx1"/>
+          </a:fontRef>
+        </p:style>
+        <p:txBody>
+          <a:bodyPr rtlCol="0" anchor="ctr"/>
+          <a:lstStyle/>
+          <a:p>
+            <a:pPr algn="ctr"/>
+            <a:endParaRPr lang="zh-CN" altLang="en-US"/>
+          </a:p>
+        </p:txBody>
+      </p:sp>
     </p:spTree>
     <p:extLst>
       <p:ext uri="{BB962C8B-B14F-4D97-AF65-F5344CB8AC3E}">
@@ -4276,6 +6960,342 @@
           <a:chExt cx="0" cy="0"/>
         </a:xfrm>
       </p:grpSpPr>
+      <p:sp>
+        <p:nvSpPr>
+          <p:cNvPr id="2" name="矩形 1"/>
+          <p:cNvSpPr/>
+          <p:nvPr/>
+        </p:nvSpPr>
+        <p:spPr>
+          <a:xfrm>
+            <a:off x="269964" y="1063509"/>
+            <a:ext cx="7332617" cy="1200329"/>
+          </a:xfrm>
+          <a:prstGeom prst="rect">
+            <a:avLst/>
+          </a:prstGeom>
+        </p:spPr>
+        <p:txBody>
+          <a:bodyPr wrap="square">
+            <a:spAutoFit/>
+          </a:bodyPr>
+          <a:lstStyle/>
+          <a:p>
+            <a:r>
+              <a:rPr lang="zh-CN" altLang="en-US" b="1" dirty="0" smtClean="0"/>
+              <a:t>多</a:t>
+            </a:r>
+            <a:r>
+              <a:rPr lang="zh-CN" altLang="en-US" b="1" dirty="0"/>
+              <a:t>视图的</a:t>
+            </a:r>
+            <a:r>
+              <a:rPr lang="zh-CN" altLang="en-US" b="1" dirty="0" smtClean="0"/>
+              <a:t>定义</a:t>
+            </a:r>
+            <a:r>
+              <a:rPr lang="zh-CN" altLang="en-US" dirty="0"/>
+              <a:t/>
+            </a:r>
+            <a:br>
+              <a:rPr lang="zh-CN" altLang="en-US" dirty="0"/>
+            </a:br>
+            <a:r>
+              <a:rPr lang="zh-CN" altLang="en-US" dirty="0"/>
+              <a:t>一个对象的不同描述形式，例如描述一个人可以用人脸，手印，签名。</a:t>
+            </a:r>
+            <a:br>
+              <a:rPr lang="zh-CN" altLang="en-US" dirty="0"/>
+            </a:br>
+            <a:r>
+              <a:rPr lang="zh-CN" altLang="en-US" dirty="0"/>
+              <a:t>描述一张图像，可以用很多像素，也可以用文字</a:t>
+            </a:r>
+            <a:r>
+              <a:rPr lang="zh-CN" altLang="en-US" dirty="0" smtClean="0"/>
+              <a:t>。</a:t>
+            </a:r>
+            <a:r>
+              <a:rPr lang="zh-CN" altLang="en-US" dirty="0"/>
+              <a:t/>
+            </a:r>
+            <a:br>
+              <a:rPr lang="zh-CN" altLang="en-US" dirty="0"/>
+            </a:br>
+            <a:r>
+              <a:rPr lang="zh-CN" altLang="en-US" dirty="0"/>
+              <a:t>结合一个对象的多视图可以更好地描述一个对象。</a:t>
+            </a:r>
+          </a:p>
+        </p:txBody>
+      </p:sp>
+      <p:sp>
+        <p:nvSpPr>
+          <p:cNvPr id="3" name="矩形 2"/>
+          <p:cNvSpPr/>
+          <p:nvPr/>
+        </p:nvSpPr>
+        <p:spPr>
+          <a:xfrm>
+            <a:off x="269964" y="231168"/>
+            <a:ext cx="7905241" cy="461665"/>
+          </a:xfrm>
+          <a:prstGeom prst="rect">
+            <a:avLst/>
+          </a:prstGeom>
+        </p:spPr>
+        <p:txBody>
+          <a:bodyPr wrap="none">
+            <a:spAutoFit/>
+          </a:bodyPr>
+          <a:lstStyle/>
+          <a:p>
+            <a:r>
+              <a:rPr lang="en-US" altLang="zh-CN" sz="2400" b="1" dirty="0"/>
+              <a:t>SEMANTIC </a:t>
+            </a:r>
+            <a:r>
+              <a:rPr lang="en-US" altLang="zh-CN" sz="2400" b="1" dirty="0" smtClean="0"/>
+              <a:t>MEANING-BASED - </a:t>
+            </a:r>
+            <a:r>
+              <a:rPr lang="en-US" altLang="zh-CN" sz="2400" b="1" dirty="0"/>
+              <a:t>Multi-View </a:t>
+            </a:r>
+            <a:r>
+              <a:rPr lang="en-US" altLang="zh-CN" sz="2400" b="1" dirty="0" smtClean="0"/>
+              <a:t>Based - </a:t>
+            </a:r>
+            <a:r>
+              <a:rPr lang="en-US" altLang="zh-CN" sz="2400" dirty="0"/>
+              <a:t>co-training</a:t>
+            </a:r>
+            <a:endParaRPr lang="zh-CN" altLang="en-US" sz="2400" dirty="0"/>
+          </a:p>
+        </p:txBody>
+      </p:sp>
+      <p:sp>
+        <p:nvSpPr>
+          <p:cNvPr id="4" name="矩形 3"/>
+          <p:cNvSpPr/>
+          <p:nvPr/>
+        </p:nvSpPr>
+        <p:spPr>
+          <a:xfrm>
+            <a:off x="348342" y="3061234"/>
+            <a:ext cx="6096000" cy="2308324"/>
+          </a:xfrm>
+          <a:prstGeom prst="rect">
+            <a:avLst/>
+          </a:prstGeom>
+        </p:spPr>
+        <p:txBody>
+          <a:bodyPr>
+            <a:spAutoFit/>
+          </a:bodyPr>
+          <a:lstStyle/>
+          <a:p>
+            <a:r>
+              <a:rPr lang="zh-CN" altLang="en-US" dirty="0"/>
+              <a:t>一个典型的协同训练过程：</a:t>
+            </a:r>
+            <a:br>
+              <a:rPr lang="zh-CN" altLang="en-US" dirty="0"/>
+            </a:br>
+            <a:r>
+              <a:rPr lang="zh-CN" altLang="en-US" dirty="0"/>
+              <a:t/>
+            </a:r>
+            <a:br>
+              <a:rPr lang="zh-CN" altLang="en-US" dirty="0"/>
+            </a:br>
+            <a:r>
+              <a:rPr lang="zh-CN" altLang="en-US" dirty="0"/>
+              <a:t>有标签数据集</a:t>
+            </a:r>
+            <a:r>
+              <a:rPr lang="en-US" altLang="zh-CN" dirty="0"/>
+              <a:t>L</a:t>
+            </a:r>
+            <a:r>
+              <a:rPr lang="zh-CN" altLang="en-US" dirty="0"/>
+              <a:t>，无标签数据集</a:t>
+            </a:r>
+            <a:r>
+              <a:rPr lang="en-US" altLang="zh-CN" dirty="0"/>
+              <a:t>U</a:t>
+            </a:r>
+            <a:r>
+              <a:rPr lang="zh-CN" altLang="en-US" dirty="0"/>
+              <a:t>，先采样出一个无标签的子集</a:t>
+            </a:r>
+            <a:r>
+              <a:rPr lang="en-US" altLang="zh-CN" dirty="0"/>
+              <a:t>U'</a:t>
+            </a:r>
+            <a:r>
+              <a:rPr lang="zh-CN" altLang="en-US" dirty="0"/>
+              <a:t>，然后用</a:t>
+            </a:r>
+            <a:r>
+              <a:rPr lang="en-US" altLang="zh-CN" dirty="0"/>
+              <a:t>L</a:t>
+            </a:r>
+            <a:r>
+              <a:rPr lang="zh-CN" altLang="en-US" dirty="0"/>
+              <a:t>训练基于两</a:t>
+            </a:r>
+            <a:r>
+              <a:rPr lang="zh-CN" altLang="en-US" dirty="0" smtClean="0"/>
+              <a:t>个</a:t>
+            </a:r>
+            <a:r>
+              <a:rPr lang="en-US" altLang="zh-CN" dirty="0" smtClean="0"/>
+              <a:t>view</a:t>
+            </a:r>
+            <a:r>
+              <a:rPr lang="zh-CN" altLang="en-US" dirty="0"/>
+              <a:t>的分类器</a:t>
+            </a:r>
+            <a:r>
+              <a:rPr lang="en-US" altLang="zh-CN" dirty="0"/>
+              <a:t>f1</a:t>
+            </a:r>
+            <a:r>
+              <a:rPr lang="zh-CN" altLang="en-US" dirty="0"/>
+              <a:t>，</a:t>
+            </a:r>
+            <a:r>
+              <a:rPr lang="en-US" altLang="zh-CN" dirty="0"/>
+              <a:t>f2</a:t>
+            </a:r>
+            <a:r>
+              <a:rPr lang="zh-CN" altLang="en-US" dirty="0"/>
+              <a:t>，用</a:t>
+            </a:r>
+            <a:r>
+              <a:rPr lang="en-US" altLang="zh-CN" dirty="0"/>
+              <a:t>f1</a:t>
+            </a:r>
+            <a:r>
+              <a:rPr lang="zh-CN" altLang="en-US" dirty="0"/>
+              <a:t>和</a:t>
+            </a:r>
+            <a:r>
+              <a:rPr lang="en-US" altLang="zh-CN" dirty="0"/>
+              <a:t>f2</a:t>
+            </a:r>
+            <a:r>
+              <a:rPr lang="zh-CN" altLang="en-US" dirty="0"/>
+              <a:t>去给</a:t>
+            </a:r>
+            <a:r>
+              <a:rPr lang="en-US" altLang="zh-CN" dirty="0"/>
+              <a:t>U'</a:t>
+            </a:r>
+            <a:r>
+              <a:rPr lang="zh-CN" altLang="en-US" dirty="0"/>
+              <a:t>打标签，各自选出概率最高</a:t>
+            </a:r>
+            <a:r>
+              <a:rPr lang="en-US" altLang="zh-CN" dirty="0"/>
+              <a:t>p</a:t>
+            </a:r>
+            <a:r>
+              <a:rPr lang="zh-CN" altLang="en-US" dirty="0"/>
+              <a:t>个正样本和</a:t>
+            </a:r>
+            <a:r>
+              <a:rPr lang="en-US" altLang="zh-CN" dirty="0"/>
+              <a:t>n</a:t>
+            </a:r>
+            <a:r>
+              <a:rPr lang="zh-CN" altLang="en-US" dirty="0"/>
+              <a:t>个负样本，</a:t>
+            </a:r>
+            <a:br>
+              <a:rPr lang="zh-CN" altLang="en-US" dirty="0"/>
+            </a:br>
+            <a:r>
+              <a:rPr lang="zh-CN" altLang="en-US" dirty="0"/>
+              <a:t>把这</a:t>
+            </a:r>
+            <a:r>
+              <a:rPr lang="en-US" altLang="zh-CN" dirty="0"/>
+              <a:t>2p+2n</a:t>
+            </a:r>
+            <a:r>
+              <a:rPr lang="zh-CN" altLang="en-US" dirty="0"/>
+              <a:t>和样本和标签送入</a:t>
+            </a:r>
+            <a:r>
+              <a:rPr lang="en-US" altLang="zh-CN" dirty="0"/>
+              <a:t>L</a:t>
+            </a:r>
+            <a:r>
+              <a:rPr lang="zh-CN" altLang="en-US" dirty="0"/>
+              <a:t>，然后把</a:t>
+            </a:r>
+            <a:r>
+              <a:rPr lang="en-US" altLang="zh-CN" dirty="0"/>
+              <a:t>U'</a:t>
+            </a:r>
+            <a:r>
+              <a:rPr lang="zh-CN" altLang="en-US" dirty="0"/>
+              <a:t>重新填满到原先的大小（即再从</a:t>
+            </a:r>
+            <a:r>
+              <a:rPr lang="en-US" altLang="zh-CN" dirty="0"/>
+              <a:t>U</a:t>
+            </a:r>
+            <a:r>
+              <a:rPr lang="zh-CN" altLang="en-US" dirty="0"/>
+              <a:t>中采样</a:t>
+            </a:r>
+            <a:r>
+              <a:rPr lang="en-US" altLang="zh-CN" dirty="0"/>
+              <a:t>2p+2n</a:t>
+            </a:r>
+            <a:r>
+              <a:rPr lang="zh-CN" altLang="en-US" dirty="0"/>
+              <a:t>个无标签样本）。</a:t>
+            </a:r>
+            <a:br>
+              <a:rPr lang="zh-CN" altLang="en-US" dirty="0"/>
+            </a:br>
+            <a:endParaRPr lang="zh-CN" altLang="en-US" dirty="0"/>
+          </a:p>
+        </p:txBody>
+      </p:sp>
+      <p:pic>
+        <p:nvPicPr>
+          <p:cNvPr id="5" name="图片 4"/>
+          <p:cNvPicPr>
+            <a:picLocks noChangeAspect="1"/>
+          </p:cNvPicPr>
+          <p:nvPr/>
+        </p:nvPicPr>
+        <p:blipFill rotWithShape="1">
+          <a:blip r:embed="rId2">
+            <a:extLst>
+              <a:ext uri="{28A0092B-C50C-407E-A947-70E740481C1C}">
+                <a14:useLocalDpi xmlns:a14="http://schemas.microsoft.com/office/drawing/2010/main" val="0"/>
+              </a:ext>
+            </a:extLst>
+          </a:blip>
+          <a:srcRect l="49073" b="9587"/>
+          <a:stretch/>
+        </p:blipFill>
+        <p:spPr>
+          <a:xfrm>
+            <a:off x="7315200" y="2397480"/>
+            <a:ext cx="3910148" cy="4124820"/>
+          </a:xfrm>
+          <a:prstGeom prst="rect">
+            <a:avLst/>
+          </a:prstGeom>
+        </p:spPr>
+      </p:pic>
     </p:spTree>
     <p:extLst>
       <p:ext uri="{BB962C8B-B14F-4D97-AF65-F5344CB8AC3E}">
@@ -4286,6 +7306,13 @@
   <p:clrMapOvr>
     <a:masterClrMapping/>
   </p:clrMapOvr>
+  <p:timing>
+    <p:tnLst>
+      <p:par>
+        <p:cTn id="1" dur="indefinite" restart="never" nodeType="tmRoot"/>
+      </p:par>
+    </p:tnLst>
+  </p:timing>
 </p:sld>
 </file>
 
@@ -4306,6 +7333,219 @@
           <a:chExt cx="0" cy="0"/>
         </a:xfrm>
       </p:grpSpPr>
+      <p:sp>
+        <p:nvSpPr>
+          <p:cNvPr id="2" name="矩形 1"/>
+          <p:cNvSpPr/>
+          <p:nvPr/>
+        </p:nvSpPr>
+        <p:spPr>
+          <a:xfrm>
+            <a:off x="269964" y="1610980"/>
+            <a:ext cx="5216434" cy="3970318"/>
+          </a:xfrm>
+          <a:prstGeom prst="rect">
+            <a:avLst/>
+          </a:prstGeom>
+        </p:spPr>
+        <p:txBody>
+          <a:bodyPr wrap="square">
+            <a:spAutoFit/>
+          </a:bodyPr>
+          <a:lstStyle/>
+          <a:p>
+            <a:r>
+              <a:rPr lang="zh-CN" altLang="en-US" dirty="0"/>
+              <a:t>一个协同训练预测细粒度空气质量的</a:t>
+            </a:r>
+            <a:r>
+              <a:rPr lang="zh-CN" altLang="en-US" dirty="0" smtClean="0"/>
+              <a:t>例子：</a:t>
+            </a:r>
+            <a:r>
+              <a:rPr lang="zh-CN" altLang="en-US" dirty="0"/>
+              <a:t/>
+            </a:r>
+            <a:br>
+              <a:rPr lang="zh-CN" altLang="en-US" dirty="0"/>
+            </a:br>
+            <a:r>
+              <a:rPr lang="zh-CN" altLang="en-US" dirty="0"/>
+              <a:t/>
+            </a:r>
+            <a:br>
+              <a:rPr lang="zh-CN" altLang="en-US" dirty="0"/>
+            </a:br>
+            <a:r>
+              <a:rPr lang="zh-CN" altLang="en-US" dirty="0"/>
+              <a:t>（用粗粒度空气质量，气象数据，交通流量数据，</a:t>
+            </a:r>
+            <a:r>
+              <a:rPr lang="en-US" altLang="zh-CN" dirty="0"/>
+              <a:t>POI</a:t>
+            </a:r>
+            <a:r>
+              <a:rPr lang="zh-CN" altLang="en-US" dirty="0"/>
+              <a:t>数据，路网这五个数据集</a:t>
+            </a:r>
+            <a:r>
+              <a:rPr lang="zh-CN" altLang="en-US" dirty="0" smtClean="0"/>
+              <a:t>）</a:t>
+            </a:r>
+            <a:endParaRPr lang="en-US" altLang="zh-CN" dirty="0" smtClean="0"/>
+          </a:p>
+          <a:p>
+            <a:r>
+              <a:rPr lang="zh-CN" altLang="en-US" dirty="0"/>
+              <a:t/>
+            </a:r>
+            <a:br>
+              <a:rPr lang="zh-CN" altLang="en-US" dirty="0"/>
+            </a:br>
+            <a:r>
+              <a:rPr lang="zh-CN" altLang="en-US" dirty="0"/>
+              <a:t>蓝色斜线的点为新增加的细粒度空气质量（通过</a:t>
+            </a:r>
+            <a:r>
+              <a:rPr lang="en-US" altLang="zh-CN" dirty="0"/>
+              <a:t>model</a:t>
+            </a:r>
+            <a:r>
+              <a:rPr lang="zh-CN" altLang="en-US" dirty="0"/>
+              <a:t>推断出来的）。</a:t>
+            </a:r>
+            <a:br>
+              <a:rPr lang="zh-CN" altLang="en-US" dirty="0"/>
+            </a:br>
+            <a:r>
+              <a:rPr lang="zh-CN" altLang="en-US" dirty="0"/>
+              <a:t/>
+            </a:r>
+            <a:br>
+              <a:rPr lang="zh-CN" altLang="en-US" dirty="0"/>
+            </a:br>
+            <a:r>
+              <a:rPr lang="zh-CN" altLang="en-US" dirty="0"/>
+              <a:t>先是通过空间特征推断，然后用空间和时间特征一起推断后面的点。</a:t>
+            </a:r>
+            <a:br>
+              <a:rPr lang="zh-CN" altLang="en-US" dirty="0"/>
+            </a:br>
+            <a:r>
+              <a:rPr lang="zh-CN" altLang="en-US" dirty="0"/>
+              <a:t/>
+            </a:r>
+            <a:br>
+              <a:rPr lang="zh-CN" altLang="en-US" dirty="0"/>
+            </a:br>
+            <a:r>
+              <a:rPr lang="en-US" altLang="zh-CN" dirty="0"/>
+              <a:t>label data</a:t>
+            </a:r>
+            <a:r>
+              <a:rPr lang="zh-CN" altLang="en-US" dirty="0"/>
+              <a:t>：粗粒度空气质量</a:t>
+            </a:r>
+            <a:br>
+              <a:rPr lang="zh-CN" altLang="en-US" dirty="0"/>
+            </a:br>
+            <a:r>
+              <a:rPr lang="zh-CN" altLang="en-US" dirty="0"/>
+              <a:t/>
+            </a:r>
+            <a:br>
+              <a:rPr lang="zh-CN" altLang="en-US" dirty="0"/>
+            </a:br>
+            <a:r>
+              <a:rPr lang="en-US" altLang="zh-CN" dirty="0" err="1"/>
+              <a:t>unlabel</a:t>
+            </a:r>
+            <a:r>
+              <a:rPr lang="en-US" altLang="zh-CN" dirty="0"/>
+              <a:t> data</a:t>
+            </a:r>
+            <a:r>
+              <a:rPr lang="zh-CN" altLang="en-US" dirty="0"/>
+              <a:t>：细粒度的空气质量</a:t>
+            </a:r>
+          </a:p>
+        </p:txBody>
+      </p:sp>
+      <p:sp>
+        <p:nvSpPr>
+          <p:cNvPr id="3" name="矩形 2"/>
+          <p:cNvSpPr/>
+          <p:nvPr/>
+        </p:nvSpPr>
+        <p:spPr>
+          <a:xfrm>
+            <a:off x="269964" y="231168"/>
+            <a:ext cx="7905241" cy="461665"/>
+          </a:xfrm>
+          <a:prstGeom prst="rect">
+            <a:avLst/>
+          </a:prstGeom>
+        </p:spPr>
+        <p:txBody>
+          <a:bodyPr wrap="none">
+            <a:spAutoFit/>
+          </a:bodyPr>
+          <a:lstStyle/>
+          <a:p>
+            <a:r>
+              <a:rPr lang="en-US" altLang="zh-CN" sz="2400" b="1" dirty="0"/>
+              <a:t>SEMANTIC </a:t>
+            </a:r>
+            <a:r>
+              <a:rPr lang="en-US" altLang="zh-CN" sz="2400" b="1" dirty="0" smtClean="0"/>
+              <a:t>MEANING-BASED - </a:t>
+            </a:r>
+            <a:r>
+              <a:rPr lang="en-US" altLang="zh-CN" sz="2400" b="1" dirty="0"/>
+              <a:t>Multi-View </a:t>
+            </a:r>
+            <a:r>
+              <a:rPr lang="en-US" altLang="zh-CN" sz="2400" b="1" dirty="0" smtClean="0"/>
+              <a:t>Based - </a:t>
+            </a:r>
+            <a:r>
+              <a:rPr lang="en-US" altLang="zh-CN" sz="2400" dirty="0"/>
+              <a:t>co-training</a:t>
+            </a:r>
+            <a:endParaRPr lang="zh-CN" altLang="en-US" sz="2400" dirty="0"/>
+          </a:p>
+        </p:txBody>
+      </p:sp>
+      <p:pic>
+        <p:nvPicPr>
+          <p:cNvPr id="4" name="图片 3"/>
+          <p:cNvPicPr>
+            <a:picLocks noChangeAspect="1"/>
+          </p:cNvPicPr>
+          <p:nvPr/>
+        </p:nvPicPr>
+        <p:blipFill>
+          <a:blip r:embed="rId2">
+            <a:extLst>
+              <a:ext uri="{28A0092B-C50C-407E-A947-70E740481C1C}">
+                <a14:useLocalDpi xmlns:a14="http://schemas.microsoft.com/office/drawing/2010/main" val="0"/>
+              </a:ext>
+            </a:extLst>
+          </a:blip>
+          <a:stretch>
+            <a:fillRect/>
+          </a:stretch>
+        </p:blipFill>
+        <p:spPr>
+          <a:xfrm>
+            <a:off x="5413279" y="1545771"/>
+            <a:ext cx="6573167" cy="3905795"/>
+          </a:xfrm>
+          <a:prstGeom prst="rect">
+            <a:avLst/>
+          </a:prstGeom>
+        </p:spPr>
+      </p:pic>
     </p:spTree>
     <p:extLst>
       <p:ext uri="{BB962C8B-B14F-4D97-AF65-F5344CB8AC3E}">
@@ -4316,6 +7556,13 @@
   <p:clrMapOvr>
     <a:masterClrMapping/>
   </p:clrMapOvr>
+  <p:timing>
+    <p:tnLst>
+      <p:par>
+        <p:cTn id="1" dur="indefinite" restart="never" nodeType="tmRoot"/>
+      </p:par>
+    </p:tnLst>
+  </p:timing>
 </p:sld>
 </file>
 
@@ -4336,6 +7583,238 @@
           <a:chExt cx="0" cy="0"/>
         </a:xfrm>
       </p:grpSpPr>
+      <p:sp>
+        <p:nvSpPr>
+          <p:cNvPr id="2" name="矩形 1"/>
+          <p:cNvSpPr/>
+          <p:nvPr/>
+        </p:nvSpPr>
+        <p:spPr>
+          <a:xfrm>
+            <a:off x="269964" y="231168"/>
+            <a:ext cx="9272667" cy="461665"/>
+          </a:xfrm>
+          <a:prstGeom prst="rect">
+            <a:avLst/>
+          </a:prstGeom>
+        </p:spPr>
+        <p:txBody>
+          <a:bodyPr wrap="none">
+            <a:spAutoFit/>
+          </a:bodyPr>
+          <a:lstStyle/>
+          <a:p>
+            <a:r>
+              <a:rPr lang="en-US" altLang="zh-CN" sz="2400" b="1" dirty="0" smtClean="0"/>
+              <a:t>SEMANTIC MEANING-BASED - Multi-View Based - </a:t>
+            </a:r>
+            <a:r>
+              <a:rPr lang="en-US" altLang="zh-CN" sz="2400" dirty="0" smtClean="0"/>
+              <a:t>Multi-Kernel Learning</a:t>
+            </a:r>
+            <a:endParaRPr lang="zh-CN" altLang="en-US" sz="2400" dirty="0"/>
+          </a:p>
+        </p:txBody>
+      </p:sp>
+      <p:sp>
+        <p:nvSpPr>
+          <p:cNvPr id="3" name="矩形 2"/>
+          <p:cNvSpPr/>
+          <p:nvPr/>
+        </p:nvSpPr>
+        <p:spPr>
+          <a:xfrm>
+            <a:off x="339634" y="913787"/>
+            <a:ext cx="10476411" cy="923330"/>
+          </a:xfrm>
+          <a:prstGeom prst="rect">
+            <a:avLst/>
+          </a:prstGeom>
+        </p:spPr>
+        <p:txBody>
+          <a:bodyPr wrap="square">
+            <a:spAutoFit/>
+          </a:bodyPr>
+          <a:lstStyle/>
+          <a:p>
+            <a:r>
+              <a:rPr lang="en-US" altLang="zh-CN" dirty="0" smtClean="0"/>
+              <a:t>MKL</a:t>
+            </a:r>
+            <a:r>
+              <a:rPr lang="zh-CN" altLang="en-US" dirty="0" smtClean="0"/>
+              <a:t>定义：</a:t>
+            </a:r>
+            <a:endParaRPr lang="en-US" altLang="zh-CN" dirty="0" smtClean="0"/>
+          </a:p>
+          <a:p>
+            <a:r>
+              <a:rPr lang="en-US" altLang="zh-CN" dirty="0" smtClean="0"/>
+              <a:t>A </a:t>
+            </a:r>
+            <a:r>
+              <a:rPr lang="en-US" altLang="zh-CN" dirty="0"/>
+              <a:t>kernel is a hypothesis on the data, which could be a similarity notion, or a classifier, or a </a:t>
+            </a:r>
+            <a:r>
+              <a:rPr lang="en-US" altLang="zh-CN" dirty="0" err="1"/>
+              <a:t>regressor</a:t>
+            </a:r>
+            <a:r>
+              <a:rPr lang="en-US" altLang="zh-CN" dirty="0" smtClean="0"/>
+              <a:t>.</a:t>
+            </a:r>
+            <a:r>
+              <a:rPr lang="en-US" altLang="zh-CN" dirty="0"/>
+              <a:t/>
+            </a:r>
+            <a:br>
+              <a:rPr lang="en-US" altLang="zh-CN" dirty="0"/>
+            </a:br>
+            <a:r>
+              <a:rPr lang="en-US" altLang="zh-CN" dirty="0"/>
+              <a:t>A learning method picks the best kernel, or uses a combination of these kernels.</a:t>
+            </a:r>
+            <a:endParaRPr lang="zh-CN" altLang="en-US" dirty="0"/>
+          </a:p>
+        </p:txBody>
+      </p:sp>
+      <p:sp>
+        <p:nvSpPr>
+          <p:cNvPr id="4" name="矩形 3"/>
+          <p:cNvSpPr/>
+          <p:nvPr/>
+        </p:nvSpPr>
+        <p:spPr>
+          <a:xfrm>
+            <a:off x="339634" y="4642733"/>
+            <a:ext cx="6096000" cy="2031325"/>
+          </a:xfrm>
+          <a:prstGeom prst="rect">
+            <a:avLst/>
+          </a:prstGeom>
+        </p:spPr>
+        <p:txBody>
+          <a:bodyPr>
+            <a:spAutoFit/>
+          </a:bodyPr>
+          <a:lstStyle/>
+          <a:p>
+            <a:r>
+              <a:rPr lang="zh-CN" altLang="en-US" b="1" dirty="0" smtClean="0"/>
+              <a:t>现有</a:t>
+            </a:r>
+            <a:r>
+              <a:rPr lang="en-US" altLang="zh-CN" b="1" dirty="0"/>
+              <a:t>MKL</a:t>
+            </a:r>
+            <a:r>
+              <a:rPr lang="zh-CN" altLang="en-US" b="1" dirty="0" smtClean="0"/>
+              <a:t>分类</a:t>
+            </a:r>
+            <a:r>
+              <a:rPr lang="zh-CN" altLang="en-US" dirty="0"/>
+              <a:t/>
+            </a:r>
+            <a:br>
+              <a:rPr lang="zh-CN" altLang="en-US" dirty="0"/>
+            </a:br>
+            <a:r>
+              <a:rPr lang="zh-CN" altLang="en-US" dirty="0"/>
+              <a:t/>
+            </a:r>
+            <a:br>
+              <a:rPr lang="zh-CN" altLang="en-US" dirty="0"/>
+            </a:br>
+            <a:r>
+              <a:rPr lang="en-US" altLang="zh-CN" dirty="0"/>
+              <a:t>1.weight</a:t>
+            </a:r>
+            <a:r>
+              <a:rPr lang="zh-CN" altLang="en-US" dirty="0"/>
+              <a:t>和</a:t>
+            </a:r>
+            <a:r>
+              <a:rPr lang="en-US" altLang="zh-CN" dirty="0"/>
+              <a:t>base learners</a:t>
+            </a:r>
+            <a:r>
+              <a:rPr lang="zh-CN" altLang="en-US" dirty="0"/>
+              <a:t>一起训练，</a:t>
+            </a:r>
+            <a:br>
+              <a:rPr lang="zh-CN" altLang="en-US" dirty="0"/>
+            </a:br>
+            <a:r>
+              <a:rPr lang="zh-CN" altLang="en-US" dirty="0"/>
+              <a:t/>
+            </a:r>
+            <a:br>
+              <a:rPr lang="zh-CN" altLang="en-US" dirty="0"/>
+            </a:br>
+            <a:r>
+              <a:rPr lang="en-US" altLang="zh-CN" dirty="0"/>
+              <a:t>2.</a:t>
+            </a:r>
+            <a:r>
+              <a:rPr lang="zh-CN" altLang="en-US" dirty="0"/>
+              <a:t>在一轮迭代中，固定一个，训练另一个，然后反之。</a:t>
+            </a:r>
+            <a:br>
+              <a:rPr lang="zh-CN" altLang="en-US" dirty="0"/>
+            </a:br>
+            <a:r>
+              <a:rPr lang="zh-CN" altLang="en-US" dirty="0"/>
+              <a:t/>
+            </a:r>
+            <a:br>
+              <a:rPr lang="zh-CN" altLang="en-US" dirty="0"/>
+            </a:br>
+            <a:r>
+              <a:rPr lang="zh-CN" altLang="en-US" dirty="0"/>
+              <a:t>随机森林等集成学习方法就是一种</a:t>
+            </a:r>
+            <a:r>
+              <a:rPr lang="en-US" altLang="zh-CN" dirty="0"/>
+              <a:t>MKL</a:t>
+            </a:r>
+            <a:r>
+              <a:rPr lang="zh-CN" altLang="en-US" dirty="0"/>
+              <a:t>。</a:t>
+            </a:r>
+          </a:p>
+        </p:txBody>
+      </p:sp>
+      <p:pic>
+        <p:nvPicPr>
+          <p:cNvPr id="6" name="图片 5"/>
+          <p:cNvPicPr>
+            <a:picLocks noChangeAspect="1"/>
+          </p:cNvPicPr>
+          <p:nvPr/>
+        </p:nvPicPr>
+        <p:blipFill>
+          <a:blip r:embed="rId2">
+            <a:extLst>
+              <a:ext uri="{28A0092B-C50C-407E-A947-70E740481C1C}">
+                <a14:useLocalDpi xmlns:a14="http://schemas.microsoft.com/office/drawing/2010/main" val="0"/>
+              </a:ext>
+            </a:extLst>
+          </a:blip>
+          <a:stretch>
+            <a:fillRect/>
+          </a:stretch>
+        </p:blipFill>
+        <p:spPr>
+          <a:xfrm>
+            <a:off x="1281327" y="2139634"/>
+            <a:ext cx="6668431" cy="2200582"/>
+          </a:xfrm>
+          <a:prstGeom prst="rect">
+            <a:avLst/>
+          </a:prstGeom>
+        </p:spPr>
+      </p:pic>
     </p:spTree>
     <p:extLst>
       <p:ext uri="{BB962C8B-B14F-4D97-AF65-F5344CB8AC3E}">
@@ -4346,6 +7825,13 @@
   <p:clrMapOvr>
     <a:masterClrMapping/>
   </p:clrMapOvr>
+  <p:timing>
+    <p:tnLst>
+      <p:par>
+        <p:cTn id="1" dur="indefinite" restart="never" nodeType="tmRoot"/>
+      </p:par>
+    </p:tnLst>
+  </p:timing>
 </p:sld>
 </file>
 

--- a/paper-note/Urban-Computing/多源数据融合-综述.pptx
+++ b/paper-note/Urban-Computing/多源数据融合-综述.pptx
@@ -266,7 +266,7 @@
           <a:p>
             <a:fld id="{0086F32F-0333-467C-9C5C-ED3B6F23C899}" type="datetimeFigureOut">
               <a:rPr lang="zh-CN" altLang="en-US" smtClean="0"/>
-              <a:t>2020/9/7</a:t>
+              <a:t>2020/9/8</a:t>
             </a:fld>
             <a:endParaRPr lang="zh-CN" altLang="en-US"/>
           </a:p>
@@ -436,7 +436,7 @@
           <a:p>
             <a:fld id="{0086F32F-0333-467C-9C5C-ED3B6F23C899}" type="datetimeFigureOut">
               <a:rPr lang="zh-CN" altLang="en-US" smtClean="0"/>
-              <a:t>2020/9/7</a:t>
+              <a:t>2020/9/8</a:t>
             </a:fld>
             <a:endParaRPr lang="zh-CN" altLang="en-US"/>
           </a:p>
@@ -616,7 +616,7 @@
           <a:p>
             <a:fld id="{0086F32F-0333-467C-9C5C-ED3B6F23C899}" type="datetimeFigureOut">
               <a:rPr lang="zh-CN" altLang="en-US" smtClean="0"/>
-              <a:t>2020/9/7</a:t>
+              <a:t>2020/9/8</a:t>
             </a:fld>
             <a:endParaRPr lang="zh-CN" altLang="en-US"/>
           </a:p>
@@ -786,7 +786,7 @@
           <a:p>
             <a:fld id="{0086F32F-0333-467C-9C5C-ED3B6F23C899}" type="datetimeFigureOut">
               <a:rPr lang="zh-CN" altLang="en-US" smtClean="0"/>
-              <a:t>2020/9/7</a:t>
+              <a:t>2020/9/8</a:t>
             </a:fld>
             <a:endParaRPr lang="zh-CN" altLang="en-US"/>
           </a:p>
@@ -1032,7 +1032,7 @@
           <a:p>
             <a:fld id="{0086F32F-0333-467C-9C5C-ED3B6F23C899}" type="datetimeFigureOut">
               <a:rPr lang="zh-CN" altLang="en-US" smtClean="0"/>
-              <a:t>2020/9/7</a:t>
+              <a:t>2020/9/8</a:t>
             </a:fld>
             <a:endParaRPr lang="zh-CN" altLang="en-US"/>
           </a:p>
@@ -1264,7 +1264,7 @@
           <a:p>
             <a:fld id="{0086F32F-0333-467C-9C5C-ED3B6F23C899}" type="datetimeFigureOut">
               <a:rPr lang="zh-CN" altLang="en-US" smtClean="0"/>
-              <a:t>2020/9/7</a:t>
+              <a:t>2020/9/8</a:t>
             </a:fld>
             <a:endParaRPr lang="zh-CN" altLang="en-US"/>
           </a:p>
@@ -1631,7 +1631,7 @@
           <a:p>
             <a:fld id="{0086F32F-0333-467C-9C5C-ED3B6F23C899}" type="datetimeFigureOut">
               <a:rPr lang="zh-CN" altLang="en-US" smtClean="0"/>
-              <a:t>2020/9/7</a:t>
+              <a:t>2020/9/8</a:t>
             </a:fld>
             <a:endParaRPr lang="zh-CN" altLang="en-US"/>
           </a:p>
@@ -1749,7 +1749,7 @@
           <a:p>
             <a:fld id="{0086F32F-0333-467C-9C5C-ED3B6F23C899}" type="datetimeFigureOut">
               <a:rPr lang="zh-CN" altLang="en-US" smtClean="0"/>
-              <a:t>2020/9/7</a:t>
+              <a:t>2020/9/8</a:t>
             </a:fld>
             <a:endParaRPr lang="zh-CN" altLang="en-US"/>
           </a:p>
@@ -1844,7 +1844,7 @@
           <a:p>
             <a:fld id="{0086F32F-0333-467C-9C5C-ED3B6F23C899}" type="datetimeFigureOut">
               <a:rPr lang="zh-CN" altLang="en-US" smtClean="0"/>
-              <a:t>2020/9/7</a:t>
+              <a:t>2020/9/8</a:t>
             </a:fld>
             <a:endParaRPr lang="zh-CN" altLang="en-US"/>
           </a:p>
@@ -2121,7 +2121,7 @@
           <a:p>
             <a:fld id="{0086F32F-0333-467C-9C5C-ED3B6F23C899}" type="datetimeFigureOut">
               <a:rPr lang="zh-CN" altLang="en-US" smtClean="0"/>
-              <a:t>2020/9/7</a:t>
+              <a:t>2020/9/8</a:t>
             </a:fld>
             <a:endParaRPr lang="zh-CN" altLang="en-US"/>
           </a:p>
@@ -2374,7 +2374,7 @@
           <a:p>
             <a:fld id="{0086F32F-0333-467C-9C5C-ED3B6F23C899}" type="datetimeFigureOut">
               <a:rPr lang="zh-CN" altLang="en-US" smtClean="0"/>
-              <a:t>2020/9/7</a:t>
+              <a:t>2020/9/8</a:t>
             </a:fld>
             <a:endParaRPr lang="zh-CN" altLang="en-US"/>
           </a:p>
@@ -2587,7 +2587,7 @@
           <a:p>
             <a:fld id="{0086F32F-0333-467C-9C5C-ED3B6F23C899}" type="datetimeFigureOut">
               <a:rPr lang="zh-CN" altLang="en-US" smtClean="0"/>
-              <a:t>2020/9/7</a:t>
+              <a:t>2020/9/8</a:t>
             </a:fld>
             <a:endParaRPr lang="zh-CN" altLang="en-US"/>
           </a:p>
@@ -3469,8 +3469,8 @@
           </a:p>
         </p:txBody>
       </p:sp>
-      <mc:AlternateContent xmlns:mc="http://schemas.openxmlformats.org/markup-compatibility/2006">
-        <mc:Choice xmlns:a14="http://schemas.microsoft.com/office/drawing/2010/main" Requires="a14">
+      <mc:AlternateContent xmlns:mc="http://schemas.openxmlformats.org/markup-compatibility/2006" xmlns:a14="http://schemas.microsoft.com/office/drawing/2010/main">
+        <mc:Choice Requires="a14">
           <p:sp>
             <p:nvSpPr>
               <p:cNvPr id="3" name="矩形 2"/>
@@ -3664,7 +3664,7 @@
             </p:txBody>
           </p:sp>
         </mc:Choice>
-        <mc:Fallback>
+        <mc:Fallback xmlns="">
           <p:sp>
             <p:nvSpPr>
               <p:cNvPr id="3" name="矩形 2"/>
@@ -3833,8 +3833,8 @@
           </a:p>
         </p:txBody>
       </p:sp>
-      <mc:AlternateContent xmlns:mc="http://schemas.openxmlformats.org/markup-compatibility/2006">
-        <mc:Choice xmlns:a14="http://schemas.microsoft.com/office/drawing/2010/main" Requires="a14">
+      <mc:AlternateContent xmlns:mc="http://schemas.openxmlformats.org/markup-compatibility/2006" xmlns:a14="http://schemas.microsoft.com/office/drawing/2010/main">
+        <mc:Choice Requires="a14">
           <p:sp>
             <p:nvSpPr>
               <p:cNvPr id="3" name="矩形 2"/>
@@ -4081,7 +4081,7 @@
             </p:txBody>
           </p:sp>
         </mc:Choice>
-        <mc:Fallback>
+        <mc:Fallback xmlns="">
           <p:sp>
             <p:nvSpPr>
               <p:cNvPr id="3" name="矩形 2"/>
@@ -4426,6 +4426,39 @@
           <a:chExt cx="0" cy="0"/>
         </a:xfrm>
       </p:grpSpPr>
+      <p:sp>
+        <p:nvSpPr>
+          <p:cNvPr id="2" name="矩形 1"/>
+          <p:cNvSpPr/>
+          <p:nvPr/>
+        </p:nvSpPr>
+        <p:spPr>
+          <a:xfrm>
+            <a:off x="269964" y="231168"/>
+            <a:ext cx="8163197" cy="461665"/>
+          </a:xfrm>
+          <a:prstGeom prst="rect">
+            <a:avLst/>
+          </a:prstGeom>
+        </p:spPr>
+        <p:txBody>
+          <a:bodyPr wrap="none">
+            <a:spAutoFit/>
+          </a:bodyPr>
+          <a:lstStyle/>
+          <a:p>
+            <a:r>
+              <a:rPr lang="en-US" altLang="zh-CN" sz="2400" b="1" dirty="0" smtClean="0"/>
+              <a:t>SEMANTIC MEANING-BASED - </a:t>
+            </a:r>
+            <a:r>
+              <a:rPr lang="en-US" altLang="zh-CN" sz="2400" b="1" dirty="0"/>
+              <a:t>Probabilistic Dependency-Based</a:t>
+            </a:r>
+            <a:endParaRPr lang="zh-CN" altLang="en-US" sz="2400" dirty="0"/>
+          </a:p>
+        </p:txBody>
+      </p:sp>
     </p:spTree>
     <p:extLst>
       <p:ext uri="{BB962C8B-B14F-4D97-AF65-F5344CB8AC3E}">
@@ -4463,6 +4496,39 @@
           <a:chExt cx="0" cy="0"/>
         </a:xfrm>
       </p:grpSpPr>
+      <p:sp>
+        <p:nvSpPr>
+          <p:cNvPr id="2" name="矩形 1"/>
+          <p:cNvSpPr/>
+          <p:nvPr/>
+        </p:nvSpPr>
+        <p:spPr>
+          <a:xfrm>
+            <a:off x="269964" y="231168"/>
+            <a:ext cx="8850372" cy="461665"/>
+          </a:xfrm>
+          <a:prstGeom prst="rect">
+            <a:avLst/>
+          </a:prstGeom>
+        </p:spPr>
+        <p:txBody>
+          <a:bodyPr wrap="none">
+            <a:spAutoFit/>
+          </a:bodyPr>
+          <a:lstStyle/>
+          <a:p>
+            <a:r>
+              <a:rPr lang="en-US" altLang="zh-CN" sz="2400" b="1" dirty="0" smtClean="0"/>
+              <a:t>SEMANTIC MEANING-BASED - Similarity-Based - </a:t>
+            </a:r>
+            <a:r>
+              <a:rPr lang="en-US" altLang="zh-CN" sz="2400" dirty="0"/>
+              <a:t>Manifold Alignment</a:t>
+            </a:r>
+            <a:endParaRPr lang="zh-CN" altLang="en-US" sz="2400" dirty="0"/>
+          </a:p>
+        </p:txBody>
+      </p:sp>
     </p:spTree>
     <p:extLst>
       <p:ext uri="{BB962C8B-B14F-4D97-AF65-F5344CB8AC3E}">
@@ -4493,6 +4559,39 @@
           <a:chExt cx="0" cy="0"/>
         </a:xfrm>
       </p:grpSpPr>
+      <p:sp>
+        <p:nvSpPr>
+          <p:cNvPr id="2" name="矩形 1"/>
+          <p:cNvSpPr/>
+          <p:nvPr/>
+        </p:nvSpPr>
+        <p:spPr>
+          <a:xfrm>
+            <a:off x="269964" y="231168"/>
+            <a:ext cx="8850372" cy="461665"/>
+          </a:xfrm>
+          <a:prstGeom prst="rect">
+            <a:avLst/>
+          </a:prstGeom>
+        </p:spPr>
+        <p:txBody>
+          <a:bodyPr wrap="none">
+            <a:spAutoFit/>
+          </a:bodyPr>
+          <a:lstStyle/>
+          <a:p>
+            <a:r>
+              <a:rPr lang="en-US" altLang="zh-CN" sz="2400" b="1" dirty="0" smtClean="0"/>
+              <a:t>SEMANTIC MEANING-BASED - Similarity-Based - </a:t>
+            </a:r>
+            <a:r>
+              <a:rPr lang="en-US" altLang="zh-CN" sz="2400" dirty="0"/>
+              <a:t>Manifold Alignment</a:t>
+            </a:r>
+            <a:endParaRPr lang="zh-CN" altLang="en-US" sz="2400" dirty="0"/>
+          </a:p>
+        </p:txBody>
+      </p:sp>
     </p:spTree>
     <p:extLst>
       <p:ext uri="{BB962C8B-B14F-4D97-AF65-F5344CB8AC3E}">
@@ -4523,6 +4622,39 @@
           <a:chExt cx="0" cy="0"/>
         </a:xfrm>
       </p:grpSpPr>
+      <p:sp>
+        <p:nvSpPr>
+          <p:cNvPr id="2" name="矩形 1"/>
+          <p:cNvSpPr/>
+          <p:nvPr/>
+        </p:nvSpPr>
+        <p:spPr>
+          <a:xfrm>
+            <a:off x="269964" y="231168"/>
+            <a:ext cx="8850372" cy="461665"/>
+          </a:xfrm>
+          <a:prstGeom prst="rect">
+            <a:avLst/>
+          </a:prstGeom>
+        </p:spPr>
+        <p:txBody>
+          <a:bodyPr wrap="none">
+            <a:spAutoFit/>
+          </a:bodyPr>
+          <a:lstStyle/>
+          <a:p>
+            <a:r>
+              <a:rPr lang="en-US" altLang="zh-CN" sz="2400" b="1" dirty="0" smtClean="0"/>
+              <a:t>SEMANTIC MEANING-BASED - Similarity-Based - </a:t>
+            </a:r>
+            <a:r>
+              <a:rPr lang="en-US" altLang="zh-CN" sz="2400" dirty="0"/>
+              <a:t>Manifold Alignment</a:t>
+            </a:r>
+            <a:endParaRPr lang="zh-CN" altLang="en-US" sz="2400" dirty="0"/>
+          </a:p>
+        </p:txBody>
+      </p:sp>
     </p:spTree>
     <p:extLst>
       <p:ext uri="{BB962C8B-B14F-4D97-AF65-F5344CB8AC3E}">
@@ -4553,6 +4685,39 @@
           <a:chExt cx="0" cy="0"/>
         </a:xfrm>
       </p:grpSpPr>
+      <p:sp>
+        <p:nvSpPr>
+          <p:cNvPr id="2" name="矩形 1"/>
+          <p:cNvSpPr/>
+          <p:nvPr/>
+        </p:nvSpPr>
+        <p:spPr>
+          <a:xfrm>
+            <a:off x="269964" y="231168"/>
+            <a:ext cx="8850372" cy="461665"/>
+          </a:xfrm>
+          <a:prstGeom prst="rect">
+            <a:avLst/>
+          </a:prstGeom>
+        </p:spPr>
+        <p:txBody>
+          <a:bodyPr wrap="none">
+            <a:spAutoFit/>
+          </a:bodyPr>
+          <a:lstStyle/>
+          <a:p>
+            <a:r>
+              <a:rPr lang="en-US" altLang="zh-CN" sz="2400" b="1" dirty="0" smtClean="0"/>
+              <a:t>SEMANTIC MEANING-BASED - Similarity-Based - </a:t>
+            </a:r>
+            <a:r>
+              <a:rPr lang="en-US" altLang="zh-CN" sz="2400" dirty="0"/>
+              <a:t>Manifold Alignment</a:t>
+            </a:r>
+            <a:endParaRPr lang="zh-CN" altLang="en-US" sz="2400" dirty="0"/>
+          </a:p>
+        </p:txBody>
+      </p:sp>
     </p:spTree>
     <p:extLst>
       <p:ext uri="{BB962C8B-B14F-4D97-AF65-F5344CB8AC3E}">
@@ -5420,25 +5585,7 @@
                 </a:solidFill>
                 <a:latin typeface="-apple-system"/>
               </a:rPr>
-              <a:t>中构造的区域</a:t>
-            </a:r>
-            <a:r>
-              <a:rPr lang="zh-CN" altLang="en-US" dirty="0">
-                <a:solidFill>
-                  <a:srgbClr val="24292E"/>
-                </a:solidFill>
-                <a:latin typeface="-apple-system"/>
-              </a:rPr>
-              <a:t>，边代表</a:t>
-            </a:r>
-            <a:r>
-              <a:rPr lang="zh-CN" altLang="en-US" dirty="0">
-                <a:solidFill>
-                  <a:srgbClr val="24292E"/>
-                </a:solidFill>
-                <a:latin typeface="-apple-system"/>
-              </a:rPr>
-              <a:t>出租车的移动。</a:t>
+              <a:t>中构造的区域，边代表出租车的移动。</a:t>
             </a:r>
           </a:p>
         </p:txBody>
